--- a/22ass/supabase project.pptx
+++ b/22ass/supabase project.pptx
@@ -16,6 +16,10 @@
     <p:sldId id="264" r:id="rId10"/>
     <p:sldId id="265" r:id="rId11"/>
     <p:sldId id="266" r:id="rId12"/>
+    <p:sldId id="267" r:id="rId13"/>
+    <p:sldId id="268" r:id="rId14"/>
+    <p:sldId id="269" r:id="rId15"/>
+    <p:sldId id="270" r:id="rId16"/>
   </p:sldIdLst>
   <p:sldSz cx="12192000" cy="6858000"/>
   <p:notesSz cx="6858000" cy="9144000"/>
@@ -114,6 +118,11 @@
       </a:defRPr>
     </a:lvl9pPr>
   </p:defaultTextStyle>
+  <p:extLst>
+    <p:ext uri="{EFAFB233-063F-42B5-8137-9DF3F51BA10A}">
+      <p15:sldGuideLst xmlns:p15="http://schemas.microsoft.com/office/powerpoint/2012/main"/>
+    </p:ext>
+  </p:extLst>
 </p:presentation>
 </file>
 
@@ -266,7 +275,7 @@
           <a:p>
             <a:fld id="{B10990EA-4905-B141-B764-62C7B5957B99}" type="datetimeFigureOut">
               <a:rPr lang="en-IL" smtClean="0"/>
-              <a:t>02/07/2023</a:t>
+              <a:t>12/07/2023</a:t>
             </a:fld>
             <a:endParaRPr lang="en-IL"/>
           </a:p>
@@ -466,7 +475,7 @@
           <a:p>
             <a:fld id="{B10990EA-4905-B141-B764-62C7B5957B99}" type="datetimeFigureOut">
               <a:rPr lang="en-IL" smtClean="0"/>
-              <a:t>02/07/2023</a:t>
+              <a:t>12/07/2023</a:t>
             </a:fld>
             <a:endParaRPr lang="en-IL"/>
           </a:p>
@@ -676,7 +685,7 @@
           <a:p>
             <a:fld id="{B10990EA-4905-B141-B764-62C7B5957B99}" type="datetimeFigureOut">
               <a:rPr lang="en-IL" smtClean="0"/>
-              <a:t>02/07/2023</a:t>
+              <a:t>12/07/2023</a:t>
             </a:fld>
             <a:endParaRPr lang="en-IL"/>
           </a:p>
@@ -876,7 +885,7 @@
           <a:p>
             <a:fld id="{B10990EA-4905-B141-B764-62C7B5957B99}" type="datetimeFigureOut">
               <a:rPr lang="en-IL" smtClean="0"/>
-              <a:t>02/07/2023</a:t>
+              <a:t>12/07/2023</a:t>
             </a:fld>
             <a:endParaRPr lang="en-IL"/>
           </a:p>
@@ -1152,7 +1161,7 @@
           <a:p>
             <a:fld id="{B10990EA-4905-B141-B764-62C7B5957B99}" type="datetimeFigureOut">
               <a:rPr lang="en-IL" smtClean="0"/>
-              <a:t>02/07/2023</a:t>
+              <a:t>12/07/2023</a:t>
             </a:fld>
             <a:endParaRPr lang="en-IL"/>
           </a:p>
@@ -1420,7 +1429,7 @@
           <a:p>
             <a:fld id="{B10990EA-4905-B141-B764-62C7B5957B99}" type="datetimeFigureOut">
               <a:rPr lang="en-IL" smtClean="0"/>
-              <a:t>02/07/2023</a:t>
+              <a:t>12/07/2023</a:t>
             </a:fld>
             <a:endParaRPr lang="en-IL"/>
           </a:p>
@@ -1835,7 +1844,7 @@
           <a:p>
             <a:fld id="{B10990EA-4905-B141-B764-62C7B5957B99}" type="datetimeFigureOut">
               <a:rPr lang="en-IL" smtClean="0"/>
-              <a:t>02/07/2023</a:t>
+              <a:t>12/07/2023</a:t>
             </a:fld>
             <a:endParaRPr lang="en-IL"/>
           </a:p>
@@ -1977,7 +1986,7 @@
           <a:p>
             <a:fld id="{B10990EA-4905-B141-B764-62C7B5957B99}" type="datetimeFigureOut">
               <a:rPr lang="en-IL" smtClean="0"/>
-              <a:t>02/07/2023</a:t>
+              <a:t>12/07/2023</a:t>
             </a:fld>
             <a:endParaRPr lang="en-IL"/>
           </a:p>
@@ -2090,7 +2099,7 @@
           <a:p>
             <a:fld id="{B10990EA-4905-B141-B764-62C7B5957B99}" type="datetimeFigureOut">
               <a:rPr lang="en-IL" smtClean="0"/>
-              <a:t>02/07/2023</a:t>
+              <a:t>12/07/2023</a:t>
             </a:fld>
             <a:endParaRPr lang="en-IL"/>
           </a:p>
@@ -2403,7 +2412,7 @@
           <a:p>
             <a:fld id="{B10990EA-4905-B141-B764-62C7B5957B99}" type="datetimeFigureOut">
               <a:rPr lang="en-IL" smtClean="0"/>
-              <a:t>02/07/2023</a:t>
+              <a:t>12/07/2023</a:t>
             </a:fld>
             <a:endParaRPr lang="en-IL"/>
           </a:p>
@@ -2692,7 +2701,7 @@
           <a:p>
             <a:fld id="{B10990EA-4905-B141-B764-62C7B5957B99}" type="datetimeFigureOut">
               <a:rPr lang="en-IL" smtClean="0"/>
-              <a:t>02/07/2023</a:t>
+              <a:t>12/07/2023</a:t>
             </a:fld>
             <a:endParaRPr lang="en-IL"/>
           </a:p>
@@ -2935,7 +2944,7 @@
           <a:p>
             <a:fld id="{B10990EA-4905-B141-B764-62C7B5957B99}" type="datetimeFigureOut">
               <a:rPr lang="en-IL" smtClean="0"/>
-              <a:t>02/07/2023</a:t>
+              <a:t>12/07/2023</a:t>
             </a:fld>
             <a:endParaRPr lang="en-IL"/>
           </a:p>
@@ -3456,32 +3465,189 @@
           <a:bodyPr/>
           <a:lstStyle/>
           <a:p>
+            <a:r>
+              <a:rPr lang="en-US" dirty="0"/>
+              <a:t>I</a:t>
+            </a:r>
+            <a:r>
+              <a:rPr lang="en-IL" dirty="0"/>
+              <a:t>mport types- login first</a:t>
+            </a:r>
+          </a:p>
+        </p:txBody>
+      </p:sp>
+      <p:sp>
+        <p:nvSpPr>
+          <p:cNvPr id="3" name="Content Placeholder 2">
+            <a:extLst>
+              <a:ext uri="{FF2B5EF4-FFF2-40B4-BE49-F238E27FC236}">
+                <a16:creationId xmlns:a16="http://schemas.microsoft.com/office/drawing/2014/main" id="{E14CB41C-0E3E-5403-6D3E-461CEEA852EF}"/>
+              </a:ext>
+            </a:extLst>
+          </p:cNvPr>
+          <p:cNvSpPr>
+            <a:spLocks noGrp="1"/>
+          </p:cNvSpPr>
+          <p:nvPr>
+            <p:ph idx="1"/>
+          </p:nvPr>
+        </p:nvSpPr>
+        <p:spPr/>
+        <p:txBody>
+          <a:bodyPr/>
+          <a:lstStyle/>
+          <a:p>
+            <a:r>
+              <a:rPr lang="en-US" b="0" i="1" dirty="0" err="1">
+                <a:effectLst/>
+                <a:latin typeface="Fira code" pitchFamily="49" charset="0"/>
+              </a:rPr>
+              <a:t>npm</a:t>
+            </a:r>
+            <a:r>
+              <a:rPr lang="en-US" b="0" i="1" dirty="0">
+                <a:effectLst/>
+                <a:latin typeface="Fira code" pitchFamily="49" charset="0"/>
+              </a:rPr>
+              <a:t> </a:t>
+            </a:r>
+            <a:r>
+              <a:rPr lang="en-US" b="0" i="1" dirty="0" err="1">
+                <a:effectLst/>
+                <a:latin typeface="Fira code" pitchFamily="49" charset="0"/>
+              </a:rPr>
+              <a:t>i</a:t>
+            </a:r>
+            <a:r>
+              <a:rPr lang="en-US" b="0" i="1" dirty="0">
+                <a:effectLst/>
+                <a:latin typeface="Fira code" pitchFamily="49" charset="0"/>
+              </a:rPr>
+              <a:t> </a:t>
+            </a:r>
+            <a:r>
+              <a:rPr lang="en-US" b="0" i="1" dirty="0" err="1">
+                <a:effectLst/>
+                <a:latin typeface="Fira code" pitchFamily="49" charset="0"/>
+              </a:rPr>
+              <a:t>supabase</a:t>
+            </a:r>
+            <a:r>
+              <a:rPr lang="en-US" b="0" i="1" dirty="0">
+                <a:effectLst/>
+                <a:latin typeface="Fira code" pitchFamily="49" charset="0"/>
+              </a:rPr>
+              <a:t>@"&gt;=1.8.1" --save-dev</a:t>
+            </a:r>
+            <a:endParaRPr lang="en-US" b="0" dirty="0">
+              <a:effectLst/>
+              <a:latin typeface="Fira Code" pitchFamily="49" charset="0"/>
+            </a:endParaRPr>
+          </a:p>
+          <a:p>
+            <a:r>
+              <a:rPr lang="en-US" b="0" i="1" dirty="0" err="1">
+                <a:effectLst/>
+                <a:latin typeface="Fira code" pitchFamily="49" charset="0"/>
+              </a:rPr>
+              <a:t>npx</a:t>
+            </a:r>
+            <a:r>
+              <a:rPr lang="en-US" b="0" i="1" dirty="0">
+                <a:effectLst/>
+                <a:latin typeface="Fira code" pitchFamily="49" charset="0"/>
+              </a:rPr>
+              <a:t> </a:t>
+            </a:r>
+            <a:r>
+              <a:rPr lang="en-US" b="0" i="1" dirty="0" err="1">
+                <a:effectLst/>
+                <a:latin typeface="Fira code" pitchFamily="49" charset="0"/>
+              </a:rPr>
+              <a:t>supabase</a:t>
+            </a:r>
+            <a:r>
+              <a:rPr lang="en-US" b="0" i="1" dirty="0">
+                <a:effectLst/>
+                <a:latin typeface="Fira code" pitchFamily="49" charset="0"/>
+              </a:rPr>
+              <a:t> login</a:t>
+            </a:r>
+            <a:endParaRPr lang="en-US" b="0" dirty="0">
+              <a:effectLst/>
+              <a:latin typeface="Fira Code" pitchFamily="49" charset="0"/>
+            </a:endParaRPr>
+          </a:p>
+          <a:p>
+            <a:r>
+              <a:rPr lang="en-US" b="0" i="1" dirty="0">
+                <a:effectLst/>
+                <a:latin typeface="Fira code" pitchFamily="49" charset="0"/>
+              </a:rPr>
+              <a:t>-- you can get the access token from the </a:t>
+            </a:r>
+            <a:r>
+              <a:rPr lang="en-US" b="0" i="1" dirty="0" err="1">
+                <a:effectLst/>
+                <a:latin typeface="Fira code" pitchFamily="49" charset="0"/>
+              </a:rPr>
+              <a:t>supabase</a:t>
+            </a:r>
+            <a:r>
+              <a:rPr lang="en-US" b="0" i="1" dirty="0">
+                <a:effectLst/>
+                <a:latin typeface="Fira code" pitchFamily="49" charset="0"/>
+              </a:rPr>
+              <a:t> dashboard at https://</a:t>
+            </a:r>
+            <a:r>
+              <a:rPr lang="en-US" b="0" i="1" dirty="0" err="1">
+                <a:effectLst/>
+                <a:latin typeface="Fira code" pitchFamily="49" charset="0"/>
+              </a:rPr>
+              <a:t>app.supabase.com</a:t>
+            </a:r>
+            <a:r>
+              <a:rPr lang="en-US" b="0" i="1" dirty="0">
+                <a:effectLst/>
+                <a:latin typeface="Fira code" pitchFamily="49" charset="0"/>
+              </a:rPr>
+              <a:t>/account/tokens</a:t>
+            </a:r>
+            <a:endParaRPr lang="en-US" b="0" dirty="0">
+              <a:effectLst/>
+              <a:latin typeface="Fira Code" pitchFamily="49" charset="0"/>
+            </a:endParaRPr>
+          </a:p>
+          <a:p>
+            <a:br>
+              <a:rPr lang="en-US" b="0" dirty="0">
+                <a:solidFill>
+                  <a:srgbClr val="BBBBBB"/>
+                </a:solidFill>
+                <a:effectLst/>
+                <a:latin typeface="Fira Code" pitchFamily="49" charset="0"/>
+              </a:rPr>
+            </a:br>
+            <a:br>
+              <a:rPr lang="en-US" b="0" dirty="0">
+                <a:solidFill>
+                  <a:srgbClr val="BBBBBB"/>
+                </a:solidFill>
+                <a:effectLst/>
+                <a:latin typeface="Fira Code" pitchFamily="49" charset="0"/>
+              </a:rPr>
+            </a:br>
+            <a:endParaRPr lang="en-US" b="0" dirty="0">
+              <a:solidFill>
+                <a:srgbClr val="BBBBBB"/>
+              </a:solidFill>
+              <a:effectLst/>
+              <a:latin typeface="Fira Code" pitchFamily="49" charset="0"/>
+            </a:endParaRPr>
+          </a:p>
+          <a:p>
             <a:endParaRPr lang="en-IL" dirty="0"/>
-          </a:p>
-        </p:txBody>
-      </p:sp>
-      <p:sp>
-        <p:nvSpPr>
-          <p:cNvPr id="3" name="Content Placeholder 2">
-            <a:extLst>
-              <a:ext uri="{FF2B5EF4-FFF2-40B4-BE49-F238E27FC236}">
-                <a16:creationId xmlns:a16="http://schemas.microsoft.com/office/drawing/2014/main" id="{E14CB41C-0E3E-5403-6D3E-461CEEA852EF}"/>
-              </a:ext>
-            </a:extLst>
-          </p:cNvPr>
-          <p:cNvSpPr>
-            <a:spLocks noGrp="1"/>
-          </p:cNvSpPr>
-          <p:nvPr>
-            <p:ph idx="1"/>
-          </p:nvPr>
-        </p:nvSpPr>
-        <p:spPr/>
-        <p:txBody>
-          <a:bodyPr/>
-          <a:lstStyle/>
-          <a:p>
-            <a:endParaRPr lang="en-IL"/>
           </a:p>
         </p:txBody>
       </p:sp>
@@ -3536,7 +3702,14 @@
           <a:bodyPr/>
           <a:lstStyle/>
           <a:p>
-            <a:endParaRPr lang="en-IL"/>
+            <a:r>
+              <a:rPr lang="en-US" dirty="0"/>
+              <a:t>S</a:t>
+            </a:r>
+            <a:r>
+              <a:rPr lang="en-IL" dirty="0"/>
+              <a:t>econd steps gen types</a:t>
+            </a:r>
           </a:p>
         </p:txBody>
       </p:sp>
@@ -3561,7 +3734,99 @@
           <a:bodyPr/>
           <a:lstStyle/>
           <a:p>
-            <a:endParaRPr lang="en-IL"/>
+            <a:r>
+              <a:rPr lang="en-US" b="0" i="1" dirty="0" err="1">
+                <a:effectLst/>
+                <a:latin typeface="Fira code" pitchFamily="49" charset="0"/>
+              </a:rPr>
+              <a:t>npx</a:t>
+            </a:r>
+            <a:r>
+              <a:rPr lang="en-US" b="0" i="1" dirty="0">
+                <a:effectLst/>
+                <a:latin typeface="Fira code" pitchFamily="49" charset="0"/>
+              </a:rPr>
+              <a:t> </a:t>
+            </a:r>
+            <a:r>
+              <a:rPr lang="en-US" b="0" i="1" dirty="0" err="1">
+                <a:effectLst/>
+                <a:latin typeface="Fira code" pitchFamily="49" charset="0"/>
+              </a:rPr>
+              <a:t>supabase</a:t>
+            </a:r>
+            <a:r>
+              <a:rPr lang="en-US" b="0" i="1" dirty="0">
+                <a:effectLst/>
+                <a:latin typeface="Fira code" pitchFamily="49" charset="0"/>
+              </a:rPr>
+              <a:t> gen types typescript --project-id "project id is the reference id" --schema public &gt; ./</a:t>
+            </a:r>
+            <a:r>
+              <a:rPr lang="en-US" b="0" i="1" dirty="0" err="1">
+                <a:effectLst/>
+                <a:latin typeface="Fira code" pitchFamily="49" charset="0"/>
+              </a:rPr>
+              <a:t>src</a:t>
+            </a:r>
+            <a:r>
+              <a:rPr lang="en-US" b="0" i="1" dirty="0">
+                <a:effectLst/>
+                <a:latin typeface="Fira code" pitchFamily="49" charset="0"/>
+              </a:rPr>
+              <a:t>/lib/</a:t>
+            </a:r>
+            <a:r>
+              <a:rPr lang="en-US" b="0" i="1" dirty="0" err="1">
+                <a:effectLst/>
+                <a:latin typeface="Fira code" pitchFamily="49" charset="0"/>
+              </a:rPr>
+              <a:t>schema.ts</a:t>
+            </a:r>
+            <a:endParaRPr lang="en-US" b="0" dirty="0">
+              <a:effectLst/>
+              <a:latin typeface="Fira Code" pitchFamily="49" charset="0"/>
+            </a:endParaRPr>
+          </a:p>
+          <a:p>
+            <a:r>
+              <a:rPr lang="en-US" b="0" i="1" dirty="0">
+                <a:solidFill>
+                  <a:srgbClr val="848BBD"/>
+                </a:solidFill>
+                <a:effectLst/>
+                <a:latin typeface="Fira code" pitchFamily="49" charset="0"/>
+              </a:rPr>
+              <a:t>--you can find it in the general settings of your project</a:t>
+            </a:r>
+            <a:endParaRPr lang="en-US" b="0" dirty="0">
+              <a:solidFill>
+                <a:srgbClr val="BBBBBB"/>
+              </a:solidFill>
+              <a:effectLst/>
+              <a:latin typeface="Fira Code" pitchFamily="49" charset="0"/>
+            </a:endParaRPr>
+          </a:p>
+          <a:p>
+            <a:br>
+              <a:rPr lang="en-US" b="0" dirty="0">
+                <a:solidFill>
+                  <a:srgbClr val="BBBBBB"/>
+                </a:solidFill>
+                <a:effectLst/>
+                <a:latin typeface="Fira Code" pitchFamily="49" charset="0"/>
+              </a:rPr>
+            </a:br>
+            <a:endParaRPr lang="en-US" b="0" dirty="0">
+              <a:solidFill>
+                <a:srgbClr val="BBBBBB"/>
+              </a:solidFill>
+              <a:effectLst/>
+              <a:latin typeface="Fira Code" pitchFamily="49" charset="0"/>
+            </a:endParaRPr>
+          </a:p>
+          <a:p>
+            <a:endParaRPr lang="en-IL" dirty="0"/>
           </a:p>
         </p:txBody>
       </p:sp>
@@ -3569,6 +3834,1909 @@
     <p:extLst>
       <p:ext uri="{BB962C8B-B14F-4D97-AF65-F5344CB8AC3E}">
         <p14:creationId xmlns:p14="http://schemas.microsoft.com/office/powerpoint/2010/main" val="341330132"/>
+      </p:ext>
+    </p:extLst>
+  </p:cSld>
+  <p:clrMapOvr>
+    <a:masterClrMapping/>
+  </p:clrMapOvr>
+</p:sld>
+</file>
+
+<file path=ppt/slides/slide12.xml><?xml version="1.0" encoding="utf-8"?>
+<p:sld xmlns:a="http://schemas.openxmlformats.org/drawingml/2006/main" xmlns:r="http://schemas.openxmlformats.org/officeDocument/2006/relationships" xmlns:p="http://schemas.openxmlformats.org/presentationml/2006/main">
+  <p:cSld>
+    <p:bg>
+      <p:bgPr>
+        <a:solidFill>
+          <a:schemeClr val="bg1"/>
+        </a:solidFill>
+        <a:effectLst/>
+      </p:bgPr>
+    </p:bg>
+    <p:spTree>
+      <p:nvGrpSpPr>
+        <p:cNvPr id="1" name=""/>
+        <p:cNvGrpSpPr/>
+        <p:nvPr/>
+      </p:nvGrpSpPr>
+      <p:grpSpPr>
+        <a:xfrm>
+          <a:off x="0" y="0"/>
+          <a:ext cx="0" cy="0"/>
+          <a:chOff x="0" y="0"/>
+          <a:chExt cx="0" cy="0"/>
+        </a:xfrm>
+      </p:grpSpPr>
+      <p:sp useBgFill="1">
+        <p:nvSpPr>
+          <p:cNvPr id="12" name="Rectangle 11">
+            <a:extLst>
+              <a:ext uri="{FF2B5EF4-FFF2-40B4-BE49-F238E27FC236}">
+                <a16:creationId xmlns:a16="http://schemas.microsoft.com/office/drawing/2014/main" id="{8181FC64-B306-4821-98E2-780662EFC486}"/>
+              </a:ext>
+              <a:ext uri="{C183D7F6-B498-43B3-948B-1728B52AA6E4}">
+                <adec:decorative xmlns:adec="http://schemas.microsoft.com/office/drawing/2017/decorative" val="1"/>
+              </a:ext>
+            </a:extLst>
+          </p:cNvPr>
+          <p:cNvSpPr>
+            <a:spLocks noGrp="1" noRot="1" noChangeAspect="1" noMove="1" noResize="1" noEditPoints="1" noAdjustHandles="1" noChangeArrowheads="1" noChangeShapeType="1" noTextEdit="1"/>
+          </p:cNvSpPr>
+          <p:nvPr>
+            <p:extLst>
+              <p:ext uri="{386F3935-93C4-4BCD-93E2-E3B085C9AB24}">
+                <p16:designElem xmlns:p16="http://schemas.microsoft.com/office/powerpoint/2015/main" val="1"/>
+              </p:ext>
+            </p:extLst>
+          </p:nvPr>
+        </p:nvSpPr>
+        <p:spPr>
+          <a:xfrm>
+            <a:off x="305" y="0"/>
+            <a:ext cx="12191695" cy="6858000"/>
+          </a:xfrm>
+          <a:prstGeom prst="rect">
+            <a:avLst/>
+          </a:prstGeom>
+          <a:solidFill>
+            <a:schemeClr val="bg2">
+              <a:tint val="95000"/>
+              <a:satMod val="170000"/>
+            </a:schemeClr>
+          </a:solidFill>
+          <a:ln>
+            <a:noFill/>
+          </a:ln>
+        </p:spPr>
+        <p:style>
+          <a:lnRef idx="2">
+            <a:schemeClr val="accent1">
+              <a:shade val="50000"/>
+            </a:schemeClr>
+          </a:lnRef>
+          <a:fillRef idx="1">
+            <a:schemeClr val="accent1"/>
+          </a:fillRef>
+          <a:effectRef idx="0">
+            <a:schemeClr val="accent1"/>
+          </a:effectRef>
+          <a:fontRef idx="minor">
+            <a:schemeClr val="lt1"/>
+          </a:fontRef>
+        </p:style>
+        <p:txBody>
+          <a:bodyPr rtlCol="0" anchor="ctr"/>
+          <a:lstStyle/>
+          <a:p>
+            <a:pPr algn="ctr"/>
+            <a:endParaRPr lang="en-US" dirty="0">
+              <a:solidFill>
+                <a:prstClr val="white"/>
+              </a:solidFill>
+              <a:latin typeface="Meiryo"/>
+            </a:endParaRPr>
+          </a:p>
+        </p:txBody>
+      </p:sp>
+      <p:sp>
+        <p:nvSpPr>
+          <p:cNvPr id="14" name="Freeform: Shape 13">
+            <a:extLst>
+              <a:ext uri="{FF2B5EF4-FFF2-40B4-BE49-F238E27FC236}">
+                <a16:creationId xmlns:a16="http://schemas.microsoft.com/office/drawing/2014/main" id="{CC0388A8-3200-42F9-A84D-3F5F72381F87}"/>
+              </a:ext>
+              <a:ext uri="{C183D7F6-B498-43B3-948B-1728B52AA6E4}">
+                <adec:decorative xmlns:adec="http://schemas.microsoft.com/office/drawing/2017/decorative" val="1"/>
+              </a:ext>
+            </a:extLst>
+          </p:cNvPr>
+          <p:cNvSpPr>
+            <a:spLocks noGrp="1" noRot="1" noChangeAspect="1" noMove="1" noResize="1" noEditPoints="1" noAdjustHandles="1" noChangeArrowheads="1" noChangeShapeType="1" noTextEdit="1"/>
+          </p:cNvSpPr>
+          <p:nvPr>
+            <p:extLst>
+              <p:ext uri="{386F3935-93C4-4BCD-93E2-E3B085C9AB24}">
+                <p16:designElem xmlns:p16="http://schemas.microsoft.com/office/powerpoint/2015/main" val="1"/>
+              </p:ext>
+            </p:extLst>
+          </p:nvPr>
+        </p:nvSpPr>
+        <p:spPr>
+          <a:xfrm flipH="1">
+            <a:off x="6530603" y="0"/>
+            <a:ext cx="2518577" cy="6858000"/>
+          </a:xfrm>
+          <a:custGeom>
+            <a:avLst/>
+            <a:gdLst>
+              <a:gd name="connsiteX0" fmla="*/ 895554 w 2518577"/>
+              <a:gd name="connsiteY0" fmla="*/ 0 h 6858000"/>
+              <a:gd name="connsiteX1" fmla="*/ 870330 w 2518577"/>
+              <a:gd name="connsiteY1" fmla="*/ 0 h 6858000"/>
+              <a:gd name="connsiteX2" fmla="*/ 892454 w 2518577"/>
+              <a:gd name="connsiteY2" fmla="*/ 14997 h 6858000"/>
+              <a:gd name="connsiteX3" fmla="*/ 2493353 w 2518577"/>
+              <a:gd name="connsiteY3" fmla="*/ 3621656 h 6858000"/>
+              <a:gd name="connsiteX4" fmla="*/ 619003 w 2518577"/>
+              <a:gd name="connsiteY4" fmla="*/ 6374814 h 6858000"/>
+              <a:gd name="connsiteX5" fmla="*/ 102355 w 2518577"/>
+              <a:gd name="connsiteY5" fmla="*/ 6780599 h 6858000"/>
+              <a:gd name="connsiteX6" fmla="*/ 0 w 2518577"/>
+              <a:gd name="connsiteY6" fmla="*/ 6851489 h 6858000"/>
+              <a:gd name="connsiteX7" fmla="*/ 0 w 2518577"/>
+              <a:gd name="connsiteY7" fmla="*/ 6858000 h 6858000"/>
+              <a:gd name="connsiteX8" fmla="*/ 15823 w 2518577"/>
+              <a:gd name="connsiteY8" fmla="*/ 6858000 h 6858000"/>
+              <a:gd name="connsiteX9" fmla="*/ 127579 w 2518577"/>
+              <a:gd name="connsiteY9" fmla="*/ 6780599 h 6858000"/>
+              <a:gd name="connsiteX10" fmla="*/ 644227 w 2518577"/>
+              <a:gd name="connsiteY10" fmla="*/ 6374814 h 6858000"/>
+              <a:gd name="connsiteX11" fmla="*/ 2518577 w 2518577"/>
+              <a:gd name="connsiteY11" fmla="*/ 3621656 h 6858000"/>
+              <a:gd name="connsiteX12" fmla="*/ 917678 w 2518577"/>
+              <a:gd name="connsiteY12" fmla="*/ 14997 h 6858000"/>
+            </a:gdLst>
+            <a:ahLst/>
+            <a:cxnLst>
+              <a:cxn ang="0">
+                <a:pos x="connsiteX0" y="connsiteY0"/>
+              </a:cxn>
+              <a:cxn ang="0">
+                <a:pos x="connsiteX1" y="connsiteY1"/>
+              </a:cxn>
+              <a:cxn ang="0">
+                <a:pos x="connsiteX2" y="connsiteY2"/>
+              </a:cxn>
+              <a:cxn ang="0">
+                <a:pos x="connsiteX3" y="connsiteY3"/>
+              </a:cxn>
+              <a:cxn ang="0">
+                <a:pos x="connsiteX4" y="connsiteY4"/>
+              </a:cxn>
+              <a:cxn ang="0">
+                <a:pos x="connsiteX5" y="connsiteY5"/>
+              </a:cxn>
+              <a:cxn ang="0">
+                <a:pos x="connsiteX6" y="connsiteY6"/>
+              </a:cxn>
+              <a:cxn ang="0">
+                <a:pos x="connsiteX7" y="connsiteY7"/>
+              </a:cxn>
+              <a:cxn ang="0">
+                <a:pos x="connsiteX8" y="connsiteY8"/>
+              </a:cxn>
+              <a:cxn ang="0">
+                <a:pos x="connsiteX9" y="connsiteY9"/>
+              </a:cxn>
+              <a:cxn ang="0">
+                <a:pos x="connsiteX10" y="connsiteY10"/>
+              </a:cxn>
+              <a:cxn ang="0">
+                <a:pos x="connsiteX11" y="connsiteY11"/>
+              </a:cxn>
+              <a:cxn ang="0">
+                <a:pos x="connsiteX12" y="connsiteY12"/>
+              </a:cxn>
+            </a:cxnLst>
+            <a:rect l="l" t="t" r="r" b="b"/>
+            <a:pathLst>
+              <a:path w="2518577" h="6858000">
+                <a:moveTo>
+                  <a:pt x="895554" y="0"/>
+                </a:moveTo>
+                <a:lnTo>
+                  <a:pt x="870330" y="0"/>
+                </a:lnTo>
+                <a:lnTo>
+                  <a:pt x="892454" y="14997"/>
+                </a:lnTo>
+                <a:cubicBezTo>
+                  <a:pt x="1919617" y="754641"/>
+                  <a:pt x="2493353" y="2093192"/>
+                  <a:pt x="2493353" y="3621656"/>
+                </a:cubicBezTo>
+                <a:cubicBezTo>
+                  <a:pt x="2493353" y="4969131"/>
+                  <a:pt x="1564628" y="5602839"/>
+                  <a:pt x="619003" y="6374814"/>
+                </a:cubicBezTo>
+                <a:cubicBezTo>
+                  <a:pt x="446800" y="6515397"/>
+                  <a:pt x="276173" y="6653108"/>
+                  <a:pt x="102355" y="6780599"/>
+                </a:cubicBezTo>
+                <a:lnTo>
+                  <a:pt x="0" y="6851489"/>
+                </a:lnTo>
+                <a:lnTo>
+                  <a:pt x="0" y="6858000"/>
+                </a:lnTo>
+                <a:lnTo>
+                  <a:pt x="15823" y="6858000"/>
+                </a:lnTo>
+                <a:lnTo>
+                  <a:pt x="127579" y="6780599"/>
+                </a:lnTo>
+                <a:cubicBezTo>
+                  <a:pt x="301397" y="6653108"/>
+                  <a:pt x="472024" y="6515397"/>
+                  <a:pt x="644227" y="6374814"/>
+                </a:cubicBezTo>
+                <a:cubicBezTo>
+                  <a:pt x="1589852" y="5602839"/>
+                  <a:pt x="2518577" y="4969131"/>
+                  <a:pt x="2518577" y="3621656"/>
+                </a:cubicBezTo>
+                <a:cubicBezTo>
+                  <a:pt x="2518577" y="2093192"/>
+                  <a:pt x="1944841" y="754641"/>
+                  <a:pt x="917678" y="14997"/>
+                </a:cubicBezTo>
+                <a:close/>
+              </a:path>
+            </a:pathLst>
+          </a:custGeom>
+          <a:solidFill>
+            <a:srgbClr val="FFFFFF">
+              <a:alpha val="50000"/>
+            </a:srgbClr>
+          </a:solidFill>
+          <a:ln>
+            <a:noFill/>
+          </a:ln>
+        </p:spPr>
+        <p:style>
+          <a:lnRef idx="2">
+            <a:schemeClr val="accent1">
+              <a:shade val="50000"/>
+            </a:schemeClr>
+          </a:lnRef>
+          <a:fillRef idx="1">
+            <a:schemeClr val="accent1"/>
+          </a:fillRef>
+          <a:effectRef idx="0">
+            <a:schemeClr val="accent1"/>
+          </a:effectRef>
+          <a:fontRef idx="minor">
+            <a:schemeClr val="lt1"/>
+          </a:fontRef>
+        </p:style>
+        <p:txBody>
+          <a:bodyPr wrap="square" rtlCol="0" anchor="ctr">
+            <a:noAutofit/>
+          </a:bodyPr>
+          <a:lstStyle/>
+          <a:p>
+            <a:pPr algn="ctr"/>
+            <a:endParaRPr lang="en-US" dirty="0"/>
+          </a:p>
+        </p:txBody>
+      </p:sp>
+      <p:sp>
+        <p:nvSpPr>
+          <p:cNvPr id="16" name="Freeform: Shape 15">
+            <a:extLst>
+              <a:ext uri="{FF2B5EF4-FFF2-40B4-BE49-F238E27FC236}">
+                <a16:creationId xmlns:a16="http://schemas.microsoft.com/office/drawing/2014/main" id="{BC0385E9-02B2-4941-889A-EAD43F5BB0A3}"/>
+              </a:ext>
+              <a:ext uri="{C183D7F6-B498-43B3-948B-1728B52AA6E4}">
+                <adec:decorative xmlns:adec="http://schemas.microsoft.com/office/drawing/2017/decorative" val="1"/>
+              </a:ext>
+            </a:extLst>
+          </p:cNvPr>
+          <p:cNvSpPr>
+            <a:spLocks noGrp="1" noRot="1" noChangeAspect="1" noMove="1" noResize="1" noEditPoints="1" noAdjustHandles="1" noChangeArrowheads="1" noChangeShapeType="1" noTextEdit="1"/>
+          </p:cNvSpPr>
+          <p:nvPr>
+            <p:extLst>
+              <p:ext uri="{386F3935-93C4-4BCD-93E2-E3B085C9AB24}">
+                <p16:designElem xmlns:p16="http://schemas.microsoft.com/office/powerpoint/2015/main" val="1"/>
+              </p:ext>
+            </p:extLst>
+          </p:nvPr>
+        </p:nvSpPr>
+        <p:spPr>
+          <a:xfrm flipH="1">
+            <a:off x="6736139" y="0"/>
+            <a:ext cx="5455860" cy="6858000"/>
+          </a:xfrm>
+          <a:custGeom>
+            <a:avLst/>
+            <a:gdLst>
+              <a:gd name="connsiteX0" fmla="*/ 3832837 w 5455860"/>
+              <a:gd name="connsiteY0" fmla="*/ 0 h 6858000"/>
+              <a:gd name="connsiteX1" fmla="*/ 2739604 w 5455860"/>
+              <a:gd name="connsiteY1" fmla="*/ 0 h 6858000"/>
+              <a:gd name="connsiteX2" fmla="*/ 1959438 w 5455860"/>
+              <a:gd name="connsiteY2" fmla="*/ 0 h 6858000"/>
+              <a:gd name="connsiteX3" fmla="*/ 1895061 w 5455860"/>
+              <a:gd name="connsiteY3" fmla="*/ 0 h 6858000"/>
+              <a:gd name="connsiteX4" fmla="*/ 249909 w 5455860"/>
+              <a:gd name="connsiteY4" fmla="*/ 0 h 6858000"/>
+              <a:gd name="connsiteX5" fmla="*/ 0 w 5455860"/>
+              <a:gd name="connsiteY5" fmla="*/ 0 h 6858000"/>
+              <a:gd name="connsiteX6" fmla="*/ 0 w 5455860"/>
+              <a:gd name="connsiteY6" fmla="*/ 6858000 h 6858000"/>
+              <a:gd name="connsiteX7" fmla="*/ 249909 w 5455860"/>
+              <a:gd name="connsiteY7" fmla="*/ 6858000 h 6858000"/>
+              <a:gd name="connsiteX8" fmla="*/ 1895061 w 5455860"/>
+              <a:gd name="connsiteY8" fmla="*/ 6858000 h 6858000"/>
+              <a:gd name="connsiteX9" fmla="*/ 1959438 w 5455860"/>
+              <a:gd name="connsiteY9" fmla="*/ 6858000 h 6858000"/>
+              <a:gd name="connsiteX10" fmla="*/ 2739604 w 5455860"/>
+              <a:gd name="connsiteY10" fmla="*/ 6858000 h 6858000"/>
+              <a:gd name="connsiteX11" fmla="*/ 2953106 w 5455860"/>
+              <a:gd name="connsiteY11" fmla="*/ 6858000 h 6858000"/>
+              <a:gd name="connsiteX12" fmla="*/ 3064862 w 5455860"/>
+              <a:gd name="connsiteY12" fmla="*/ 6780599 h 6858000"/>
+              <a:gd name="connsiteX13" fmla="*/ 3581510 w 5455860"/>
+              <a:gd name="connsiteY13" fmla="*/ 6374814 h 6858000"/>
+              <a:gd name="connsiteX14" fmla="*/ 5455860 w 5455860"/>
+              <a:gd name="connsiteY14" fmla="*/ 3621656 h 6858000"/>
+              <a:gd name="connsiteX15" fmla="*/ 3854961 w 5455860"/>
+              <a:gd name="connsiteY15" fmla="*/ 14997 h 6858000"/>
+            </a:gdLst>
+            <a:ahLst/>
+            <a:cxnLst>
+              <a:cxn ang="0">
+                <a:pos x="connsiteX0" y="connsiteY0"/>
+              </a:cxn>
+              <a:cxn ang="0">
+                <a:pos x="connsiteX1" y="connsiteY1"/>
+              </a:cxn>
+              <a:cxn ang="0">
+                <a:pos x="connsiteX2" y="connsiteY2"/>
+              </a:cxn>
+              <a:cxn ang="0">
+                <a:pos x="connsiteX3" y="connsiteY3"/>
+              </a:cxn>
+              <a:cxn ang="0">
+                <a:pos x="connsiteX4" y="connsiteY4"/>
+              </a:cxn>
+              <a:cxn ang="0">
+                <a:pos x="connsiteX5" y="connsiteY5"/>
+              </a:cxn>
+              <a:cxn ang="0">
+                <a:pos x="connsiteX6" y="connsiteY6"/>
+              </a:cxn>
+              <a:cxn ang="0">
+                <a:pos x="connsiteX7" y="connsiteY7"/>
+              </a:cxn>
+              <a:cxn ang="0">
+                <a:pos x="connsiteX8" y="connsiteY8"/>
+              </a:cxn>
+              <a:cxn ang="0">
+                <a:pos x="connsiteX9" y="connsiteY9"/>
+              </a:cxn>
+              <a:cxn ang="0">
+                <a:pos x="connsiteX10" y="connsiteY10"/>
+              </a:cxn>
+              <a:cxn ang="0">
+                <a:pos x="connsiteX11" y="connsiteY11"/>
+              </a:cxn>
+              <a:cxn ang="0">
+                <a:pos x="connsiteX12" y="connsiteY12"/>
+              </a:cxn>
+              <a:cxn ang="0">
+                <a:pos x="connsiteX13" y="connsiteY13"/>
+              </a:cxn>
+              <a:cxn ang="0">
+                <a:pos x="connsiteX14" y="connsiteY14"/>
+              </a:cxn>
+              <a:cxn ang="0">
+                <a:pos x="connsiteX15" y="connsiteY15"/>
+              </a:cxn>
+            </a:cxnLst>
+            <a:rect l="l" t="t" r="r" b="b"/>
+            <a:pathLst>
+              <a:path w="5455860" h="6858000">
+                <a:moveTo>
+                  <a:pt x="3832837" y="0"/>
+                </a:moveTo>
+                <a:lnTo>
+                  <a:pt x="2739604" y="0"/>
+                </a:lnTo>
+                <a:lnTo>
+                  <a:pt x="1959438" y="0"/>
+                </a:lnTo>
+                <a:lnTo>
+                  <a:pt x="1895061" y="0"/>
+                </a:lnTo>
+                <a:lnTo>
+                  <a:pt x="249909" y="0"/>
+                </a:lnTo>
+                <a:lnTo>
+                  <a:pt x="0" y="0"/>
+                </a:lnTo>
+                <a:lnTo>
+                  <a:pt x="0" y="6858000"/>
+                </a:lnTo>
+                <a:lnTo>
+                  <a:pt x="249909" y="6858000"/>
+                </a:lnTo>
+                <a:lnTo>
+                  <a:pt x="1895061" y="6858000"/>
+                </a:lnTo>
+                <a:lnTo>
+                  <a:pt x="1959438" y="6858000"/>
+                </a:lnTo>
+                <a:lnTo>
+                  <a:pt x="2739604" y="6858000"/>
+                </a:lnTo>
+                <a:lnTo>
+                  <a:pt x="2953106" y="6858000"/>
+                </a:lnTo>
+                <a:lnTo>
+                  <a:pt x="3064862" y="6780599"/>
+                </a:lnTo>
+                <a:cubicBezTo>
+                  <a:pt x="3238680" y="6653108"/>
+                  <a:pt x="3409307" y="6515397"/>
+                  <a:pt x="3581510" y="6374814"/>
+                </a:cubicBezTo>
+                <a:cubicBezTo>
+                  <a:pt x="4527135" y="5602839"/>
+                  <a:pt x="5455860" y="4969131"/>
+                  <a:pt x="5455860" y="3621656"/>
+                </a:cubicBezTo>
+                <a:cubicBezTo>
+                  <a:pt x="5455860" y="2093192"/>
+                  <a:pt x="4882124" y="754641"/>
+                  <a:pt x="3854961" y="14997"/>
+                </a:cubicBezTo>
+                <a:close/>
+              </a:path>
+            </a:pathLst>
+          </a:custGeom>
+          <a:solidFill>
+            <a:schemeClr val="bg1">
+              <a:alpha val="30000"/>
+            </a:schemeClr>
+          </a:solidFill>
+          <a:ln>
+            <a:noFill/>
+          </a:ln>
+        </p:spPr>
+        <p:style>
+          <a:lnRef idx="2">
+            <a:schemeClr val="accent1">
+              <a:shade val="50000"/>
+            </a:schemeClr>
+          </a:lnRef>
+          <a:fillRef idx="1">
+            <a:schemeClr val="accent1"/>
+          </a:fillRef>
+          <a:effectRef idx="0">
+            <a:schemeClr val="accent1"/>
+          </a:effectRef>
+          <a:fontRef idx="minor">
+            <a:schemeClr val="lt1"/>
+          </a:fontRef>
+        </p:style>
+        <p:txBody>
+          <a:bodyPr wrap="square" rtlCol="0" anchor="ctr">
+            <a:noAutofit/>
+          </a:bodyPr>
+          <a:lstStyle/>
+          <a:p>
+            <a:pPr algn="ctr"/>
+            <a:endParaRPr lang="en-US" dirty="0"/>
+          </a:p>
+        </p:txBody>
+      </p:sp>
+      <p:sp>
+        <p:nvSpPr>
+          <p:cNvPr id="18" name="Freeform: Shape 17">
+            <a:extLst>
+              <a:ext uri="{FF2B5EF4-FFF2-40B4-BE49-F238E27FC236}">
+                <a16:creationId xmlns:a16="http://schemas.microsoft.com/office/drawing/2014/main" id="{829A1E2C-5AC8-40FC-99E9-832069D39792}"/>
+              </a:ext>
+              <a:ext uri="{C183D7F6-B498-43B3-948B-1728B52AA6E4}">
+                <adec:decorative xmlns:adec="http://schemas.microsoft.com/office/drawing/2017/decorative" val="1"/>
+              </a:ext>
+            </a:extLst>
+          </p:cNvPr>
+          <p:cNvSpPr>
+            <a:spLocks noGrp="1" noRot="1" noChangeAspect="1" noMove="1" noResize="1" noEditPoints="1" noAdjustHandles="1" noChangeArrowheads="1" noChangeShapeType="1" noTextEdit="1"/>
+          </p:cNvSpPr>
+          <p:nvPr>
+            <p:extLst>
+              <p:ext uri="{386F3935-93C4-4BCD-93E2-E3B085C9AB24}">
+                <p16:designElem xmlns:p16="http://schemas.microsoft.com/office/powerpoint/2015/main" val="1"/>
+              </p:ext>
+            </p:extLst>
+          </p:nvPr>
+        </p:nvSpPr>
+        <p:spPr>
+          <a:xfrm flipH="1">
+            <a:off x="6300006" y="0"/>
+            <a:ext cx="2529723" cy="6858000"/>
+          </a:xfrm>
+          <a:custGeom>
+            <a:avLst/>
+            <a:gdLst>
+              <a:gd name="connsiteX0" fmla="*/ 1258269 w 2529723"/>
+              <a:gd name="connsiteY0" fmla="*/ 0 h 6858000"/>
+              <a:gd name="connsiteX1" fmla="*/ 1275627 w 2529723"/>
+              <a:gd name="connsiteY1" fmla="*/ 0 h 6858000"/>
+              <a:gd name="connsiteX2" fmla="*/ 1302560 w 2529723"/>
+              <a:gd name="connsiteY2" fmla="*/ 24338 h 6858000"/>
+              <a:gd name="connsiteX3" fmla="*/ 2522825 w 2529723"/>
+              <a:gd name="connsiteY3" fmla="*/ 3678515 h 6858000"/>
+              <a:gd name="connsiteX4" fmla="*/ 557500 w 2529723"/>
+              <a:gd name="connsiteY4" fmla="*/ 6451411 h 6858000"/>
+              <a:gd name="connsiteX5" fmla="*/ 32482 w 2529723"/>
+              <a:gd name="connsiteY5" fmla="*/ 6849373 h 6858000"/>
+              <a:gd name="connsiteX6" fmla="*/ 19531 w 2529723"/>
+              <a:gd name="connsiteY6" fmla="*/ 6858000 h 6858000"/>
+              <a:gd name="connsiteX7" fmla="*/ 0 w 2529723"/>
+              <a:gd name="connsiteY7" fmla="*/ 6858000 h 6858000"/>
+              <a:gd name="connsiteX8" fmla="*/ 14202 w 2529723"/>
+              <a:gd name="connsiteY8" fmla="*/ 6848540 h 6858000"/>
+              <a:gd name="connsiteX9" fmla="*/ 539221 w 2529723"/>
+              <a:gd name="connsiteY9" fmla="*/ 6450578 h 6858000"/>
+              <a:gd name="connsiteX10" fmla="*/ 2504546 w 2529723"/>
+              <a:gd name="connsiteY10" fmla="*/ 3677682 h 6858000"/>
+              <a:gd name="connsiteX11" fmla="*/ 1284280 w 2529723"/>
+              <a:gd name="connsiteY11" fmla="*/ 23504 h 6858000"/>
+            </a:gdLst>
+            <a:ahLst/>
+            <a:cxnLst>
+              <a:cxn ang="0">
+                <a:pos x="connsiteX0" y="connsiteY0"/>
+              </a:cxn>
+              <a:cxn ang="0">
+                <a:pos x="connsiteX1" y="connsiteY1"/>
+              </a:cxn>
+              <a:cxn ang="0">
+                <a:pos x="connsiteX2" y="connsiteY2"/>
+              </a:cxn>
+              <a:cxn ang="0">
+                <a:pos x="connsiteX3" y="connsiteY3"/>
+              </a:cxn>
+              <a:cxn ang="0">
+                <a:pos x="connsiteX4" y="connsiteY4"/>
+              </a:cxn>
+              <a:cxn ang="0">
+                <a:pos x="connsiteX5" y="connsiteY5"/>
+              </a:cxn>
+              <a:cxn ang="0">
+                <a:pos x="connsiteX6" y="connsiteY6"/>
+              </a:cxn>
+              <a:cxn ang="0">
+                <a:pos x="connsiteX7" y="connsiteY7"/>
+              </a:cxn>
+              <a:cxn ang="0">
+                <a:pos x="connsiteX8" y="connsiteY8"/>
+              </a:cxn>
+              <a:cxn ang="0">
+                <a:pos x="connsiteX9" y="connsiteY9"/>
+              </a:cxn>
+              <a:cxn ang="0">
+                <a:pos x="connsiteX10" y="connsiteY10"/>
+              </a:cxn>
+              <a:cxn ang="0">
+                <a:pos x="connsiteX11" y="connsiteY11"/>
+              </a:cxn>
+            </a:cxnLst>
+            <a:rect l="l" t="t" r="r" b="b"/>
+            <a:pathLst>
+              <a:path w="2529723" h="6858000">
+                <a:moveTo>
+                  <a:pt x="1258269" y="0"/>
+                </a:moveTo>
+                <a:lnTo>
+                  <a:pt x="1275627" y="0"/>
+                </a:lnTo>
+                <a:lnTo>
+                  <a:pt x="1302560" y="24338"/>
+                </a:lnTo>
+                <a:cubicBezTo>
+                  <a:pt x="2156831" y="855667"/>
+                  <a:pt x="2590622" y="2191755"/>
+                  <a:pt x="2522825" y="3678515"/>
+                </a:cubicBezTo>
+                <a:cubicBezTo>
+                  <a:pt x="2459072" y="5076606"/>
+                  <a:pt x="1519830" y="5692656"/>
+                  <a:pt x="557500" y="6451411"/>
+                </a:cubicBezTo>
+                <a:cubicBezTo>
+                  <a:pt x="382255" y="6589587"/>
+                  <a:pt x="208689" y="6724853"/>
+                  <a:pt x="32482" y="6849373"/>
+                </a:cubicBezTo>
+                <a:lnTo>
+                  <a:pt x="19531" y="6858000"/>
+                </a:lnTo>
+                <a:lnTo>
+                  <a:pt x="0" y="6858000"/>
+                </a:lnTo>
+                <a:lnTo>
+                  <a:pt x="14202" y="6848540"/>
+                </a:lnTo>
+                <a:cubicBezTo>
+                  <a:pt x="190409" y="6724020"/>
+                  <a:pt x="363976" y="6588754"/>
+                  <a:pt x="539221" y="6450578"/>
+                </a:cubicBezTo>
+                <a:cubicBezTo>
+                  <a:pt x="1501550" y="5691822"/>
+                  <a:pt x="2440792" y="5075773"/>
+                  <a:pt x="2504546" y="3677682"/>
+                </a:cubicBezTo>
+                <a:cubicBezTo>
+                  <a:pt x="2572343" y="2190921"/>
+                  <a:pt x="2138551" y="854834"/>
+                  <a:pt x="1284280" y="23504"/>
+                </a:cubicBezTo>
+                <a:close/>
+              </a:path>
+            </a:pathLst>
+          </a:custGeom>
+          <a:solidFill>
+            <a:srgbClr val="FFFFFF">
+              <a:alpha val="50000"/>
+            </a:srgbClr>
+          </a:solidFill>
+          <a:ln>
+            <a:noFill/>
+          </a:ln>
+        </p:spPr>
+        <p:style>
+          <a:lnRef idx="2">
+            <a:schemeClr val="accent1">
+              <a:shade val="50000"/>
+            </a:schemeClr>
+          </a:lnRef>
+          <a:fillRef idx="1">
+            <a:schemeClr val="accent1"/>
+          </a:fillRef>
+          <a:effectRef idx="0">
+            <a:schemeClr val="accent1"/>
+          </a:effectRef>
+          <a:fontRef idx="minor">
+            <a:schemeClr val="lt1"/>
+          </a:fontRef>
+        </p:style>
+        <p:txBody>
+          <a:bodyPr wrap="square" rtlCol="0" anchor="ctr">
+            <a:noAutofit/>
+          </a:bodyPr>
+          <a:lstStyle/>
+          <a:p>
+            <a:pPr marL="0" marR="0" lvl="0" indent="0" algn="ctr" defTabSz="457200" rtl="0" eaLnBrk="1" fontAlgn="auto" latinLnBrk="0" hangingPunct="1">
+              <a:lnSpc>
+                <a:spcPct val="100000"/>
+              </a:lnSpc>
+              <a:spcBef>
+                <a:spcPts val="0"/>
+              </a:spcBef>
+              <a:spcAft>
+                <a:spcPts val="0"/>
+              </a:spcAft>
+              <a:buClrTx/>
+              <a:buSzTx/>
+              <a:buFontTx/>
+              <a:buNone/>
+              <a:tabLst/>
+              <a:defRPr/>
+            </a:pPr>
+            <a:endParaRPr kumimoji="0" lang="en-US" sz="1800" b="0" i="0" u="none" strike="noStrike" kern="1200" cap="none" spc="0" normalizeH="0" baseline="0" noProof="0" dirty="0">
+              <a:ln>
+                <a:noFill/>
+              </a:ln>
+              <a:solidFill>
+                <a:prstClr val="white"/>
+              </a:solidFill>
+              <a:effectLst/>
+              <a:uLnTx/>
+              <a:uFillTx/>
+              <a:latin typeface="Meiryo"/>
+              <a:ea typeface="+mn-ea"/>
+              <a:cs typeface="+mn-cs"/>
+            </a:endParaRPr>
+          </a:p>
+        </p:txBody>
+      </p:sp>
+      <p:sp>
+        <p:nvSpPr>
+          <p:cNvPr id="2" name="Title 1">
+            <a:extLst>
+              <a:ext uri="{FF2B5EF4-FFF2-40B4-BE49-F238E27FC236}">
+                <a16:creationId xmlns:a16="http://schemas.microsoft.com/office/drawing/2014/main" id="{0B914900-FDE8-751D-159D-E186C57AAB72}"/>
+              </a:ext>
+            </a:extLst>
+          </p:cNvPr>
+          <p:cNvSpPr>
+            <a:spLocks noGrp="1"/>
+          </p:cNvSpPr>
+          <p:nvPr>
+            <p:ph type="title"/>
+          </p:nvPr>
+        </p:nvSpPr>
+        <p:spPr>
+          <a:xfrm>
+            <a:off x="7587615" y="1045596"/>
+            <a:ext cx="4148511" cy="1424004"/>
+          </a:xfrm>
+        </p:spPr>
+        <p:txBody>
+          <a:bodyPr anchor="b">
+            <a:normAutofit/>
+          </a:bodyPr>
+          <a:lstStyle/>
+          <a:p>
+            <a:r>
+              <a:rPr lang="en-IL" sz="3600"/>
+              <a:t>generics</a:t>
+            </a:r>
+          </a:p>
+        </p:txBody>
+      </p:sp>
+      <p:pic>
+        <p:nvPicPr>
+          <p:cNvPr id="7" name="Picture 6" descr="A black background with white text&#10;&#10;Description automatically generated">
+            <a:extLst>
+              <a:ext uri="{FF2B5EF4-FFF2-40B4-BE49-F238E27FC236}">
+                <a16:creationId xmlns:a16="http://schemas.microsoft.com/office/drawing/2014/main" id="{5EBC4D5B-40DB-7D13-C2DA-A9114AD829B6}"/>
+              </a:ext>
+            </a:extLst>
+          </p:cNvPr>
+          <p:cNvPicPr>
+            <a:picLocks noChangeAspect="1"/>
+          </p:cNvPicPr>
+          <p:nvPr/>
+        </p:nvPicPr>
+        <p:blipFill>
+          <a:blip r:embed="rId2"/>
+          <a:stretch>
+            <a:fillRect/>
+          </a:stretch>
+        </p:blipFill>
+        <p:spPr>
+          <a:xfrm>
+            <a:off x="965199" y="1613856"/>
+            <a:ext cx="4788670" cy="1005621"/>
+          </a:xfrm>
+          <a:prstGeom prst="rect">
+            <a:avLst/>
+          </a:prstGeom>
+        </p:spPr>
+      </p:pic>
+      <p:pic>
+        <p:nvPicPr>
+          <p:cNvPr id="5" name="Picture 4" descr="A black background with white text&#10;&#10;Description automatically generated">
+            <a:extLst>
+              <a:ext uri="{FF2B5EF4-FFF2-40B4-BE49-F238E27FC236}">
+                <a16:creationId xmlns:a16="http://schemas.microsoft.com/office/drawing/2014/main" id="{102D8862-97CB-8270-429F-72E3DA83CE16}"/>
+              </a:ext>
+            </a:extLst>
+          </p:cNvPr>
+          <p:cNvPicPr>
+            <a:picLocks noChangeAspect="1"/>
+          </p:cNvPicPr>
+          <p:nvPr/>
+        </p:nvPicPr>
+        <p:blipFill>
+          <a:blip r:embed="rId3"/>
+          <a:stretch>
+            <a:fillRect/>
+          </a:stretch>
+        </p:blipFill>
+        <p:spPr>
+          <a:xfrm>
+            <a:off x="955750" y="4170559"/>
+            <a:ext cx="4788582" cy="1151684"/>
+          </a:xfrm>
+          <a:prstGeom prst="rect">
+            <a:avLst/>
+          </a:prstGeom>
+        </p:spPr>
+      </p:pic>
+      <p:sp>
+        <p:nvSpPr>
+          <p:cNvPr id="3" name="Content Placeholder 2">
+            <a:extLst>
+              <a:ext uri="{FF2B5EF4-FFF2-40B4-BE49-F238E27FC236}">
+                <a16:creationId xmlns:a16="http://schemas.microsoft.com/office/drawing/2014/main" id="{A38931BD-CBD1-7293-A082-DB4BBDB702E5}"/>
+              </a:ext>
+            </a:extLst>
+          </p:cNvPr>
+          <p:cNvSpPr>
+            <a:spLocks noGrp="1"/>
+          </p:cNvSpPr>
+          <p:nvPr>
+            <p:ph idx="1"/>
+          </p:nvPr>
+        </p:nvSpPr>
+        <p:spPr>
+          <a:xfrm>
+            <a:off x="7587615" y="2627194"/>
+            <a:ext cx="4092852" cy="2978477"/>
+          </a:xfrm>
+        </p:spPr>
+        <p:txBody>
+          <a:bodyPr>
+            <a:normAutofit/>
+          </a:bodyPr>
+          <a:lstStyle/>
+          <a:p>
+            <a:r>
+              <a:rPr lang="en-US" sz="1700"/>
+              <a:t>Generics is a concept in TypeScript (and other languages such as Java, C#, etc.) that allows the creation of reusable code components that can work over a variety of types rather than a single one.</a:t>
+            </a:r>
+          </a:p>
+          <a:p>
+            <a:r>
+              <a:rPr lang="en-US" sz="1700"/>
+              <a:t>This allows users to consume these components and use their own types.</a:t>
+            </a:r>
+          </a:p>
+          <a:p>
+            <a:br>
+              <a:rPr lang="en-US" sz="1700"/>
+            </a:br>
+            <a:endParaRPr lang="en-IL" sz="1700"/>
+          </a:p>
+        </p:txBody>
+      </p:sp>
+    </p:spTree>
+    <p:extLst>
+      <p:ext uri="{BB962C8B-B14F-4D97-AF65-F5344CB8AC3E}">
+        <p14:creationId xmlns:p14="http://schemas.microsoft.com/office/powerpoint/2010/main" val="3559774802"/>
+      </p:ext>
+    </p:extLst>
+  </p:cSld>
+  <p:clrMapOvr>
+    <a:masterClrMapping/>
+  </p:clrMapOvr>
+</p:sld>
+</file>
+
+<file path=ppt/slides/slide13.xml><?xml version="1.0" encoding="utf-8"?>
+<p:sld xmlns:a="http://schemas.openxmlformats.org/drawingml/2006/main" xmlns:r="http://schemas.openxmlformats.org/officeDocument/2006/relationships" xmlns:p="http://schemas.openxmlformats.org/presentationml/2006/main">
+  <p:cSld>
+    <p:bg>
+      <p:bgPr>
+        <a:solidFill>
+          <a:schemeClr val="bg1"/>
+        </a:solidFill>
+        <a:effectLst/>
+      </p:bgPr>
+    </p:bg>
+    <p:spTree>
+      <p:nvGrpSpPr>
+        <p:cNvPr id="1" name=""/>
+        <p:cNvGrpSpPr/>
+        <p:nvPr/>
+      </p:nvGrpSpPr>
+      <p:grpSpPr>
+        <a:xfrm>
+          <a:off x="0" y="0"/>
+          <a:ext cx="0" cy="0"/>
+          <a:chOff x="0" y="0"/>
+          <a:chExt cx="0" cy="0"/>
+        </a:xfrm>
+      </p:grpSpPr>
+      <p:sp useBgFill="1">
+        <p:nvSpPr>
+          <p:cNvPr id="9" name="Rectangle 8">
+            <a:extLst>
+              <a:ext uri="{FF2B5EF4-FFF2-40B4-BE49-F238E27FC236}">
+                <a16:creationId xmlns:a16="http://schemas.microsoft.com/office/drawing/2014/main" id="{2B97F24A-32CE-4C1C-A50D-3016B394DCFB}"/>
+              </a:ext>
+              <a:ext uri="{C183D7F6-B498-43B3-948B-1728B52AA6E4}">
+                <adec:decorative xmlns:adec="http://schemas.microsoft.com/office/drawing/2017/decorative" val="1"/>
+              </a:ext>
+            </a:extLst>
+          </p:cNvPr>
+          <p:cNvSpPr>
+            <a:spLocks noGrp="1" noRot="1" noChangeAspect="1" noMove="1" noResize="1" noEditPoints="1" noAdjustHandles="1" noChangeArrowheads="1" noChangeShapeType="1" noTextEdit="1"/>
+          </p:cNvSpPr>
+          <p:nvPr>
+            <p:extLst>
+              <p:ext uri="{386F3935-93C4-4BCD-93E2-E3B085C9AB24}">
+                <p16:designElem xmlns:p16="http://schemas.microsoft.com/office/powerpoint/2015/main" val="1"/>
+              </p:ext>
+            </p:extLst>
+          </p:nvPr>
+        </p:nvSpPr>
+        <p:spPr>
+          <a:xfrm>
+            <a:off x="0" y="0"/>
+            <a:ext cx="12192000" cy="6858000"/>
+          </a:xfrm>
+          <a:prstGeom prst="rect">
+            <a:avLst/>
+          </a:prstGeom>
+          <a:ln>
+            <a:noFill/>
+          </a:ln>
+        </p:spPr>
+        <p:style>
+          <a:lnRef idx="2">
+            <a:schemeClr val="accent1">
+              <a:shade val="50000"/>
+            </a:schemeClr>
+          </a:lnRef>
+          <a:fillRef idx="1">
+            <a:schemeClr val="accent1"/>
+          </a:fillRef>
+          <a:effectRef idx="0">
+            <a:schemeClr val="accent1"/>
+          </a:effectRef>
+          <a:fontRef idx="minor">
+            <a:schemeClr val="lt1"/>
+          </a:fontRef>
+        </p:style>
+        <p:txBody>
+          <a:bodyPr rtlCol="0" anchor="ctr"/>
+          <a:lstStyle/>
+          <a:p>
+            <a:pPr algn="ctr"/>
+            <a:endParaRPr lang="en-US"/>
+          </a:p>
+        </p:txBody>
+      </p:sp>
+      <p:sp>
+        <p:nvSpPr>
+          <p:cNvPr id="2" name="Title 1">
+            <a:extLst>
+              <a:ext uri="{FF2B5EF4-FFF2-40B4-BE49-F238E27FC236}">
+                <a16:creationId xmlns:a16="http://schemas.microsoft.com/office/drawing/2014/main" id="{B67CB290-6CDC-087C-CBFE-EAF22D4BBC15}"/>
+              </a:ext>
+            </a:extLst>
+          </p:cNvPr>
+          <p:cNvSpPr>
+            <a:spLocks noGrp="1"/>
+          </p:cNvSpPr>
+          <p:nvPr>
+            <p:ph type="title"/>
+          </p:nvPr>
+        </p:nvSpPr>
+        <p:spPr>
+          <a:xfrm>
+            <a:off x="630936" y="639520"/>
+            <a:ext cx="3429000" cy="1719072"/>
+          </a:xfrm>
+        </p:spPr>
+        <p:txBody>
+          <a:bodyPr anchor="b">
+            <a:normAutofit/>
+          </a:bodyPr>
+          <a:lstStyle/>
+          <a:p>
+            <a:r>
+              <a:rPr lang="en-US" sz="4600"/>
+              <a:t>G</a:t>
+            </a:r>
+            <a:r>
+              <a:rPr lang="en-IL" sz="4600"/>
+              <a:t>eneric with interface</a:t>
+            </a:r>
+          </a:p>
+        </p:txBody>
+      </p:sp>
+      <p:sp>
+        <p:nvSpPr>
+          <p:cNvPr id="11" name="sketch line">
+            <a:extLst>
+              <a:ext uri="{FF2B5EF4-FFF2-40B4-BE49-F238E27FC236}">
+                <a16:creationId xmlns:a16="http://schemas.microsoft.com/office/drawing/2014/main" id="{CD8B4F24-440B-49E9-B85D-733523DC064B}"/>
+              </a:ext>
+              <a:ext uri="{C183D7F6-B498-43B3-948B-1728B52AA6E4}">
+                <adec:decorative xmlns:adec="http://schemas.microsoft.com/office/drawing/2017/decorative" val="1"/>
+              </a:ext>
+            </a:extLst>
+          </p:cNvPr>
+          <p:cNvSpPr>
+            <a:spLocks noGrp="1" noRot="1" noChangeAspect="1" noMove="1" noResize="1" noEditPoints="1" noAdjustHandles="1" noChangeArrowheads="1" noChangeShapeType="1" noTextEdit="1"/>
+          </p:cNvSpPr>
+          <p:nvPr>
+            <p:extLst>
+              <p:ext uri="{386F3935-93C4-4BCD-93E2-E3B085C9AB24}">
+                <p16:designElem xmlns:p16="http://schemas.microsoft.com/office/powerpoint/2015/main" val="1"/>
+              </p:ext>
+            </p:extLst>
+          </p:nvPr>
+        </p:nvSpPr>
+        <p:spPr>
+          <a:xfrm>
+            <a:off x="643278" y="2573756"/>
+            <a:ext cx="3255095" cy="18288"/>
+          </a:xfrm>
+          <a:custGeom>
+            <a:avLst/>
+            <a:gdLst>
+              <a:gd name="connsiteX0" fmla="*/ 0 w 3255095"/>
+              <a:gd name="connsiteY0" fmla="*/ 0 h 18288"/>
+              <a:gd name="connsiteX1" fmla="*/ 618468 w 3255095"/>
+              <a:gd name="connsiteY1" fmla="*/ 0 h 18288"/>
+              <a:gd name="connsiteX2" fmla="*/ 1269487 w 3255095"/>
+              <a:gd name="connsiteY2" fmla="*/ 0 h 18288"/>
+              <a:gd name="connsiteX3" fmla="*/ 1953057 w 3255095"/>
+              <a:gd name="connsiteY3" fmla="*/ 0 h 18288"/>
+              <a:gd name="connsiteX4" fmla="*/ 2636627 w 3255095"/>
+              <a:gd name="connsiteY4" fmla="*/ 0 h 18288"/>
+              <a:gd name="connsiteX5" fmla="*/ 3255095 w 3255095"/>
+              <a:gd name="connsiteY5" fmla="*/ 0 h 18288"/>
+              <a:gd name="connsiteX6" fmla="*/ 3255095 w 3255095"/>
+              <a:gd name="connsiteY6" fmla="*/ 18288 h 18288"/>
+              <a:gd name="connsiteX7" fmla="*/ 2538974 w 3255095"/>
+              <a:gd name="connsiteY7" fmla="*/ 18288 h 18288"/>
+              <a:gd name="connsiteX8" fmla="*/ 1822853 w 3255095"/>
+              <a:gd name="connsiteY8" fmla="*/ 18288 h 18288"/>
+              <a:gd name="connsiteX9" fmla="*/ 1171834 w 3255095"/>
+              <a:gd name="connsiteY9" fmla="*/ 18288 h 18288"/>
+              <a:gd name="connsiteX10" fmla="*/ 0 w 3255095"/>
+              <a:gd name="connsiteY10" fmla="*/ 18288 h 18288"/>
+              <a:gd name="connsiteX11" fmla="*/ 0 w 3255095"/>
+              <a:gd name="connsiteY11" fmla="*/ 0 h 18288"/>
+            </a:gdLst>
+            <a:ahLst/>
+            <a:cxnLst>
+              <a:cxn ang="0">
+                <a:pos x="connsiteX0" y="connsiteY0"/>
+              </a:cxn>
+              <a:cxn ang="0">
+                <a:pos x="connsiteX1" y="connsiteY1"/>
+              </a:cxn>
+              <a:cxn ang="0">
+                <a:pos x="connsiteX2" y="connsiteY2"/>
+              </a:cxn>
+              <a:cxn ang="0">
+                <a:pos x="connsiteX3" y="connsiteY3"/>
+              </a:cxn>
+              <a:cxn ang="0">
+                <a:pos x="connsiteX4" y="connsiteY4"/>
+              </a:cxn>
+              <a:cxn ang="0">
+                <a:pos x="connsiteX5" y="connsiteY5"/>
+              </a:cxn>
+              <a:cxn ang="0">
+                <a:pos x="connsiteX6" y="connsiteY6"/>
+              </a:cxn>
+              <a:cxn ang="0">
+                <a:pos x="connsiteX7" y="connsiteY7"/>
+              </a:cxn>
+              <a:cxn ang="0">
+                <a:pos x="connsiteX8" y="connsiteY8"/>
+              </a:cxn>
+              <a:cxn ang="0">
+                <a:pos x="connsiteX9" y="connsiteY9"/>
+              </a:cxn>
+              <a:cxn ang="0">
+                <a:pos x="connsiteX10" y="connsiteY10"/>
+              </a:cxn>
+              <a:cxn ang="0">
+                <a:pos x="connsiteX11" y="connsiteY11"/>
+              </a:cxn>
+            </a:cxnLst>
+            <a:rect l="l" t="t" r="r" b="b"/>
+            <a:pathLst>
+              <a:path w="3255095" h="18288" fill="none" extrusionOk="0">
+                <a:moveTo>
+                  <a:pt x="0" y="0"/>
+                </a:moveTo>
+                <a:cubicBezTo>
+                  <a:pt x="240201" y="-22123"/>
+                  <a:pt x="462021" y="-19623"/>
+                  <a:pt x="618468" y="0"/>
+                </a:cubicBezTo>
+                <a:cubicBezTo>
+                  <a:pt x="774915" y="19623"/>
+                  <a:pt x="974734" y="2035"/>
+                  <a:pt x="1269487" y="0"/>
+                </a:cubicBezTo>
+                <a:cubicBezTo>
+                  <a:pt x="1564240" y="-2035"/>
+                  <a:pt x="1733579" y="10639"/>
+                  <a:pt x="1953057" y="0"/>
+                </a:cubicBezTo>
+                <a:cubicBezTo>
+                  <a:pt x="2172535" y="-10639"/>
+                  <a:pt x="2453962" y="14018"/>
+                  <a:pt x="2636627" y="0"/>
+                </a:cubicBezTo>
+                <a:cubicBezTo>
+                  <a:pt x="2819292" y="-14018"/>
+                  <a:pt x="3121375" y="5399"/>
+                  <a:pt x="3255095" y="0"/>
+                </a:cubicBezTo>
+                <a:cubicBezTo>
+                  <a:pt x="3254386" y="8157"/>
+                  <a:pt x="3254682" y="12125"/>
+                  <a:pt x="3255095" y="18288"/>
+                </a:cubicBezTo>
+                <a:cubicBezTo>
+                  <a:pt x="3088545" y="23203"/>
+                  <a:pt x="2687475" y="7419"/>
+                  <a:pt x="2538974" y="18288"/>
+                </a:cubicBezTo>
+                <a:cubicBezTo>
+                  <a:pt x="2390473" y="29157"/>
+                  <a:pt x="2137381" y="-8959"/>
+                  <a:pt x="1822853" y="18288"/>
+                </a:cubicBezTo>
+                <a:cubicBezTo>
+                  <a:pt x="1508325" y="45535"/>
+                  <a:pt x="1466437" y="20385"/>
+                  <a:pt x="1171834" y="18288"/>
+                </a:cubicBezTo>
+                <a:cubicBezTo>
+                  <a:pt x="877231" y="16191"/>
+                  <a:pt x="561097" y="37643"/>
+                  <a:pt x="0" y="18288"/>
+                </a:cubicBezTo>
+                <a:cubicBezTo>
+                  <a:pt x="-46" y="12483"/>
+                  <a:pt x="-203" y="6491"/>
+                  <a:pt x="0" y="0"/>
+                </a:cubicBezTo>
+                <a:close/>
+              </a:path>
+              <a:path w="3255095" h="18288" stroke="0" extrusionOk="0">
+                <a:moveTo>
+                  <a:pt x="0" y="0"/>
+                </a:moveTo>
+                <a:cubicBezTo>
+                  <a:pt x="291965" y="19429"/>
+                  <a:pt x="363155" y="8568"/>
+                  <a:pt x="618468" y="0"/>
+                </a:cubicBezTo>
+                <a:cubicBezTo>
+                  <a:pt x="873781" y="-8568"/>
+                  <a:pt x="904459" y="-19505"/>
+                  <a:pt x="1171834" y="0"/>
+                </a:cubicBezTo>
+                <a:cubicBezTo>
+                  <a:pt x="1439209" y="19505"/>
+                  <a:pt x="1744369" y="9790"/>
+                  <a:pt x="1887955" y="0"/>
+                </a:cubicBezTo>
+                <a:cubicBezTo>
+                  <a:pt x="2031541" y="-9790"/>
+                  <a:pt x="2346378" y="21240"/>
+                  <a:pt x="2506423" y="0"/>
+                </a:cubicBezTo>
+                <a:cubicBezTo>
+                  <a:pt x="2666468" y="-21240"/>
+                  <a:pt x="2990257" y="30414"/>
+                  <a:pt x="3255095" y="0"/>
+                </a:cubicBezTo>
+                <a:cubicBezTo>
+                  <a:pt x="3254831" y="4493"/>
+                  <a:pt x="3255479" y="9472"/>
+                  <a:pt x="3255095" y="18288"/>
+                </a:cubicBezTo>
+                <a:cubicBezTo>
+                  <a:pt x="3120743" y="16690"/>
+                  <a:pt x="2759628" y="42462"/>
+                  <a:pt x="2604076" y="18288"/>
+                </a:cubicBezTo>
+                <a:cubicBezTo>
+                  <a:pt x="2448524" y="-5886"/>
+                  <a:pt x="2184336" y="19599"/>
+                  <a:pt x="1887955" y="18288"/>
+                </a:cubicBezTo>
+                <a:cubicBezTo>
+                  <a:pt x="1591574" y="16977"/>
+                  <a:pt x="1548845" y="6870"/>
+                  <a:pt x="1334589" y="18288"/>
+                </a:cubicBezTo>
+                <a:cubicBezTo>
+                  <a:pt x="1120333" y="29706"/>
+                  <a:pt x="996014" y="9662"/>
+                  <a:pt x="683570" y="18288"/>
+                </a:cubicBezTo>
+                <a:cubicBezTo>
+                  <a:pt x="371126" y="26914"/>
+                  <a:pt x="198687" y="16167"/>
+                  <a:pt x="0" y="18288"/>
+                </a:cubicBezTo>
+                <a:cubicBezTo>
+                  <a:pt x="843" y="9577"/>
+                  <a:pt x="371" y="6900"/>
+                  <a:pt x="0" y="0"/>
+                </a:cubicBezTo>
+                <a:close/>
+              </a:path>
+            </a:pathLst>
+          </a:custGeom>
+          <a:solidFill>
+            <a:schemeClr val="accent2"/>
+          </a:solidFill>
+          <a:ln w="38100" cap="rnd">
+            <a:solidFill>
+              <a:schemeClr val="accent2"/>
+            </a:solidFill>
+            <a:round/>
+            <a:extLst>
+              <a:ext uri="{C807C97D-BFC1-408E-A445-0C87EB9F89A2}">
+                <ask:lineSketchStyleProps xmlns:ask="http://schemas.microsoft.com/office/drawing/2018/sketchyshapes" sd="1219033472">
+                  <a:prstGeom prst="rect">
+                    <a:avLst/>
+                  </a:prstGeom>
+                  <ask:type>
+                    <ask:lineSketchFreehand/>
+                  </ask:type>
+                </ask:lineSketchStyleProps>
+              </a:ext>
+            </a:extLst>
+          </a:ln>
+        </p:spPr>
+        <p:style>
+          <a:lnRef idx="2">
+            <a:schemeClr val="accent1">
+              <a:shade val="50000"/>
+            </a:schemeClr>
+          </a:lnRef>
+          <a:fillRef idx="1">
+            <a:schemeClr val="accent1"/>
+          </a:fillRef>
+          <a:effectRef idx="0">
+            <a:schemeClr val="accent1"/>
+          </a:effectRef>
+          <a:fontRef idx="minor">
+            <a:schemeClr val="lt1"/>
+          </a:fontRef>
+        </p:style>
+        <p:txBody>
+          <a:bodyPr rtlCol="0" anchor="ctr"/>
+          <a:lstStyle/>
+          <a:p>
+            <a:pPr algn="ctr"/>
+            <a:endParaRPr lang="en-US"/>
+          </a:p>
+        </p:txBody>
+      </p:sp>
+      <p:sp>
+        <p:nvSpPr>
+          <p:cNvPr id="3" name="Content Placeholder 2">
+            <a:extLst>
+              <a:ext uri="{FF2B5EF4-FFF2-40B4-BE49-F238E27FC236}">
+                <a16:creationId xmlns:a16="http://schemas.microsoft.com/office/drawing/2014/main" id="{063E0BA1-437F-76A9-46AF-3910906982A6}"/>
+              </a:ext>
+            </a:extLst>
+          </p:cNvPr>
+          <p:cNvSpPr>
+            <a:spLocks noGrp="1"/>
+          </p:cNvSpPr>
+          <p:nvPr>
+            <p:ph idx="1"/>
+          </p:nvPr>
+        </p:nvSpPr>
+        <p:spPr>
+          <a:xfrm>
+            <a:off x="630936" y="2807208"/>
+            <a:ext cx="3429000" cy="3410712"/>
+          </a:xfrm>
+        </p:spPr>
+        <p:txBody>
+          <a:bodyPr anchor="t">
+            <a:normAutofit/>
+          </a:bodyPr>
+          <a:lstStyle/>
+          <a:p>
+            <a:r>
+              <a:rPr lang="en-US" sz="2200"/>
+              <a:t>In TypeScript, generics provide a way to create reusable components that can work with different types. When combined with interfaces, generics allow you to define flexible and type-safe structures.</a:t>
+            </a:r>
+          </a:p>
+        </p:txBody>
+      </p:sp>
+      <p:pic>
+        <p:nvPicPr>
+          <p:cNvPr id="4" name="Picture 3">
+            <a:extLst>
+              <a:ext uri="{FF2B5EF4-FFF2-40B4-BE49-F238E27FC236}">
+                <a16:creationId xmlns:a16="http://schemas.microsoft.com/office/drawing/2014/main" id="{B5A34717-060D-3428-92A8-750B618B2F9B}"/>
+              </a:ext>
+            </a:extLst>
+          </p:cNvPr>
+          <p:cNvPicPr>
+            <a:picLocks noChangeAspect="1"/>
+          </p:cNvPicPr>
+          <p:nvPr/>
+        </p:nvPicPr>
+        <p:blipFill>
+          <a:blip r:embed="rId2"/>
+          <a:stretch>
+            <a:fillRect/>
+          </a:stretch>
+        </p:blipFill>
+        <p:spPr>
+          <a:xfrm>
+            <a:off x="4654296" y="641623"/>
+            <a:ext cx="6903720" cy="5574753"/>
+          </a:xfrm>
+          <a:prstGeom prst="rect">
+            <a:avLst/>
+          </a:prstGeom>
+        </p:spPr>
+      </p:pic>
+    </p:spTree>
+    <p:extLst>
+      <p:ext uri="{BB962C8B-B14F-4D97-AF65-F5344CB8AC3E}">
+        <p14:creationId xmlns:p14="http://schemas.microsoft.com/office/powerpoint/2010/main" val="3192443003"/>
+      </p:ext>
+    </p:extLst>
+  </p:cSld>
+  <p:clrMapOvr>
+    <a:masterClrMapping/>
+  </p:clrMapOvr>
+</p:sld>
+</file>
+
+<file path=ppt/slides/slide14.xml><?xml version="1.0" encoding="utf-8"?>
+<p:sld xmlns:a="http://schemas.openxmlformats.org/drawingml/2006/main" xmlns:r="http://schemas.openxmlformats.org/officeDocument/2006/relationships" xmlns:p="http://schemas.openxmlformats.org/presentationml/2006/main">
+  <p:cSld>
+    <p:bg>
+      <p:bgPr>
+        <a:solidFill>
+          <a:schemeClr val="bg1"/>
+        </a:solidFill>
+        <a:effectLst/>
+      </p:bgPr>
+    </p:bg>
+    <p:spTree>
+      <p:nvGrpSpPr>
+        <p:cNvPr id="1" name=""/>
+        <p:cNvGrpSpPr/>
+        <p:nvPr/>
+      </p:nvGrpSpPr>
+      <p:grpSpPr>
+        <a:xfrm>
+          <a:off x="0" y="0"/>
+          <a:ext cx="0" cy="0"/>
+          <a:chOff x="0" y="0"/>
+          <a:chExt cx="0" cy="0"/>
+        </a:xfrm>
+      </p:grpSpPr>
+      <p:sp useBgFill="1">
+        <p:nvSpPr>
+          <p:cNvPr id="9" name="Rectangle 8">
+            <a:extLst>
+              <a:ext uri="{FF2B5EF4-FFF2-40B4-BE49-F238E27FC236}">
+                <a16:creationId xmlns:a16="http://schemas.microsoft.com/office/drawing/2014/main" id="{2B97F24A-32CE-4C1C-A50D-3016B394DCFB}"/>
+              </a:ext>
+              <a:ext uri="{C183D7F6-B498-43B3-948B-1728B52AA6E4}">
+                <adec:decorative xmlns:adec="http://schemas.microsoft.com/office/drawing/2017/decorative" val="1"/>
+              </a:ext>
+            </a:extLst>
+          </p:cNvPr>
+          <p:cNvSpPr>
+            <a:spLocks noGrp="1" noRot="1" noChangeAspect="1" noMove="1" noResize="1" noEditPoints="1" noAdjustHandles="1" noChangeArrowheads="1" noChangeShapeType="1" noTextEdit="1"/>
+          </p:cNvSpPr>
+          <p:nvPr>
+            <p:extLst>
+              <p:ext uri="{386F3935-93C4-4BCD-93E2-E3B085C9AB24}">
+                <p16:designElem xmlns:p16="http://schemas.microsoft.com/office/powerpoint/2015/main" val="1"/>
+              </p:ext>
+            </p:extLst>
+          </p:nvPr>
+        </p:nvSpPr>
+        <p:spPr>
+          <a:xfrm>
+            <a:off x="0" y="0"/>
+            <a:ext cx="12192000" cy="6858000"/>
+          </a:xfrm>
+          <a:prstGeom prst="rect">
+            <a:avLst/>
+          </a:prstGeom>
+          <a:ln>
+            <a:noFill/>
+          </a:ln>
+        </p:spPr>
+        <p:style>
+          <a:lnRef idx="2">
+            <a:schemeClr val="accent1">
+              <a:shade val="50000"/>
+            </a:schemeClr>
+          </a:lnRef>
+          <a:fillRef idx="1">
+            <a:schemeClr val="accent1"/>
+          </a:fillRef>
+          <a:effectRef idx="0">
+            <a:schemeClr val="accent1"/>
+          </a:effectRef>
+          <a:fontRef idx="minor">
+            <a:schemeClr val="lt1"/>
+          </a:fontRef>
+        </p:style>
+        <p:txBody>
+          <a:bodyPr rtlCol="0" anchor="ctr"/>
+          <a:lstStyle/>
+          <a:p>
+            <a:pPr algn="ctr"/>
+            <a:endParaRPr lang="en-US"/>
+          </a:p>
+        </p:txBody>
+      </p:sp>
+      <p:sp>
+        <p:nvSpPr>
+          <p:cNvPr id="2" name="Title 1">
+            <a:extLst>
+              <a:ext uri="{FF2B5EF4-FFF2-40B4-BE49-F238E27FC236}">
+                <a16:creationId xmlns:a16="http://schemas.microsoft.com/office/drawing/2014/main" id="{7866FDA0-B687-211B-9091-4039BD7465C4}"/>
+              </a:ext>
+            </a:extLst>
+          </p:cNvPr>
+          <p:cNvSpPr>
+            <a:spLocks noGrp="1"/>
+          </p:cNvSpPr>
+          <p:nvPr>
+            <p:ph type="title"/>
+          </p:nvPr>
+        </p:nvSpPr>
+        <p:spPr>
+          <a:xfrm>
+            <a:off x="630936" y="639520"/>
+            <a:ext cx="3429000" cy="1719072"/>
+          </a:xfrm>
+        </p:spPr>
+        <p:txBody>
+          <a:bodyPr anchor="b">
+            <a:normAutofit/>
+          </a:bodyPr>
+          <a:lstStyle/>
+          <a:p>
+            <a:r>
+              <a:rPr lang="en-US" sz="5400"/>
+              <a:t>G</a:t>
+            </a:r>
+            <a:r>
+              <a:rPr lang="en-IL" sz="5400"/>
+              <a:t>eneric classes</a:t>
+            </a:r>
+          </a:p>
+        </p:txBody>
+      </p:sp>
+      <p:sp>
+        <p:nvSpPr>
+          <p:cNvPr id="11" name="sketch line">
+            <a:extLst>
+              <a:ext uri="{FF2B5EF4-FFF2-40B4-BE49-F238E27FC236}">
+                <a16:creationId xmlns:a16="http://schemas.microsoft.com/office/drawing/2014/main" id="{CD8B4F24-440B-49E9-B85D-733523DC064B}"/>
+              </a:ext>
+              <a:ext uri="{C183D7F6-B498-43B3-948B-1728B52AA6E4}">
+                <adec:decorative xmlns:adec="http://schemas.microsoft.com/office/drawing/2017/decorative" val="1"/>
+              </a:ext>
+            </a:extLst>
+          </p:cNvPr>
+          <p:cNvSpPr>
+            <a:spLocks noGrp="1" noRot="1" noChangeAspect="1" noMove="1" noResize="1" noEditPoints="1" noAdjustHandles="1" noChangeArrowheads="1" noChangeShapeType="1" noTextEdit="1"/>
+          </p:cNvSpPr>
+          <p:nvPr>
+            <p:extLst>
+              <p:ext uri="{386F3935-93C4-4BCD-93E2-E3B085C9AB24}">
+                <p16:designElem xmlns:p16="http://schemas.microsoft.com/office/powerpoint/2015/main" val="1"/>
+              </p:ext>
+            </p:extLst>
+          </p:nvPr>
+        </p:nvSpPr>
+        <p:spPr>
+          <a:xfrm>
+            <a:off x="643278" y="2573756"/>
+            <a:ext cx="3255095" cy="18288"/>
+          </a:xfrm>
+          <a:custGeom>
+            <a:avLst/>
+            <a:gdLst>
+              <a:gd name="connsiteX0" fmla="*/ 0 w 3255095"/>
+              <a:gd name="connsiteY0" fmla="*/ 0 h 18288"/>
+              <a:gd name="connsiteX1" fmla="*/ 618468 w 3255095"/>
+              <a:gd name="connsiteY1" fmla="*/ 0 h 18288"/>
+              <a:gd name="connsiteX2" fmla="*/ 1269487 w 3255095"/>
+              <a:gd name="connsiteY2" fmla="*/ 0 h 18288"/>
+              <a:gd name="connsiteX3" fmla="*/ 1953057 w 3255095"/>
+              <a:gd name="connsiteY3" fmla="*/ 0 h 18288"/>
+              <a:gd name="connsiteX4" fmla="*/ 2636627 w 3255095"/>
+              <a:gd name="connsiteY4" fmla="*/ 0 h 18288"/>
+              <a:gd name="connsiteX5" fmla="*/ 3255095 w 3255095"/>
+              <a:gd name="connsiteY5" fmla="*/ 0 h 18288"/>
+              <a:gd name="connsiteX6" fmla="*/ 3255095 w 3255095"/>
+              <a:gd name="connsiteY6" fmla="*/ 18288 h 18288"/>
+              <a:gd name="connsiteX7" fmla="*/ 2538974 w 3255095"/>
+              <a:gd name="connsiteY7" fmla="*/ 18288 h 18288"/>
+              <a:gd name="connsiteX8" fmla="*/ 1822853 w 3255095"/>
+              <a:gd name="connsiteY8" fmla="*/ 18288 h 18288"/>
+              <a:gd name="connsiteX9" fmla="*/ 1171834 w 3255095"/>
+              <a:gd name="connsiteY9" fmla="*/ 18288 h 18288"/>
+              <a:gd name="connsiteX10" fmla="*/ 0 w 3255095"/>
+              <a:gd name="connsiteY10" fmla="*/ 18288 h 18288"/>
+              <a:gd name="connsiteX11" fmla="*/ 0 w 3255095"/>
+              <a:gd name="connsiteY11" fmla="*/ 0 h 18288"/>
+            </a:gdLst>
+            <a:ahLst/>
+            <a:cxnLst>
+              <a:cxn ang="0">
+                <a:pos x="connsiteX0" y="connsiteY0"/>
+              </a:cxn>
+              <a:cxn ang="0">
+                <a:pos x="connsiteX1" y="connsiteY1"/>
+              </a:cxn>
+              <a:cxn ang="0">
+                <a:pos x="connsiteX2" y="connsiteY2"/>
+              </a:cxn>
+              <a:cxn ang="0">
+                <a:pos x="connsiteX3" y="connsiteY3"/>
+              </a:cxn>
+              <a:cxn ang="0">
+                <a:pos x="connsiteX4" y="connsiteY4"/>
+              </a:cxn>
+              <a:cxn ang="0">
+                <a:pos x="connsiteX5" y="connsiteY5"/>
+              </a:cxn>
+              <a:cxn ang="0">
+                <a:pos x="connsiteX6" y="connsiteY6"/>
+              </a:cxn>
+              <a:cxn ang="0">
+                <a:pos x="connsiteX7" y="connsiteY7"/>
+              </a:cxn>
+              <a:cxn ang="0">
+                <a:pos x="connsiteX8" y="connsiteY8"/>
+              </a:cxn>
+              <a:cxn ang="0">
+                <a:pos x="connsiteX9" y="connsiteY9"/>
+              </a:cxn>
+              <a:cxn ang="0">
+                <a:pos x="connsiteX10" y="connsiteY10"/>
+              </a:cxn>
+              <a:cxn ang="0">
+                <a:pos x="connsiteX11" y="connsiteY11"/>
+              </a:cxn>
+            </a:cxnLst>
+            <a:rect l="l" t="t" r="r" b="b"/>
+            <a:pathLst>
+              <a:path w="3255095" h="18288" fill="none" extrusionOk="0">
+                <a:moveTo>
+                  <a:pt x="0" y="0"/>
+                </a:moveTo>
+                <a:cubicBezTo>
+                  <a:pt x="240201" y="-22123"/>
+                  <a:pt x="462021" y="-19623"/>
+                  <a:pt x="618468" y="0"/>
+                </a:cubicBezTo>
+                <a:cubicBezTo>
+                  <a:pt x="774915" y="19623"/>
+                  <a:pt x="974734" y="2035"/>
+                  <a:pt x="1269487" y="0"/>
+                </a:cubicBezTo>
+                <a:cubicBezTo>
+                  <a:pt x="1564240" y="-2035"/>
+                  <a:pt x="1733579" y="10639"/>
+                  <a:pt x="1953057" y="0"/>
+                </a:cubicBezTo>
+                <a:cubicBezTo>
+                  <a:pt x="2172535" y="-10639"/>
+                  <a:pt x="2453962" y="14018"/>
+                  <a:pt x="2636627" y="0"/>
+                </a:cubicBezTo>
+                <a:cubicBezTo>
+                  <a:pt x="2819292" y="-14018"/>
+                  <a:pt x="3121375" y="5399"/>
+                  <a:pt x="3255095" y="0"/>
+                </a:cubicBezTo>
+                <a:cubicBezTo>
+                  <a:pt x="3254386" y="8157"/>
+                  <a:pt x="3254682" y="12125"/>
+                  <a:pt x="3255095" y="18288"/>
+                </a:cubicBezTo>
+                <a:cubicBezTo>
+                  <a:pt x="3088545" y="23203"/>
+                  <a:pt x="2687475" y="7419"/>
+                  <a:pt x="2538974" y="18288"/>
+                </a:cubicBezTo>
+                <a:cubicBezTo>
+                  <a:pt x="2390473" y="29157"/>
+                  <a:pt x="2137381" y="-8959"/>
+                  <a:pt x="1822853" y="18288"/>
+                </a:cubicBezTo>
+                <a:cubicBezTo>
+                  <a:pt x="1508325" y="45535"/>
+                  <a:pt x="1466437" y="20385"/>
+                  <a:pt x="1171834" y="18288"/>
+                </a:cubicBezTo>
+                <a:cubicBezTo>
+                  <a:pt x="877231" y="16191"/>
+                  <a:pt x="561097" y="37643"/>
+                  <a:pt x="0" y="18288"/>
+                </a:cubicBezTo>
+                <a:cubicBezTo>
+                  <a:pt x="-46" y="12483"/>
+                  <a:pt x="-203" y="6491"/>
+                  <a:pt x="0" y="0"/>
+                </a:cubicBezTo>
+                <a:close/>
+              </a:path>
+              <a:path w="3255095" h="18288" stroke="0" extrusionOk="0">
+                <a:moveTo>
+                  <a:pt x="0" y="0"/>
+                </a:moveTo>
+                <a:cubicBezTo>
+                  <a:pt x="291965" y="19429"/>
+                  <a:pt x="363155" y="8568"/>
+                  <a:pt x="618468" y="0"/>
+                </a:cubicBezTo>
+                <a:cubicBezTo>
+                  <a:pt x="873781" y="-8568"/>
+                  <a:pt x="904459" y="-19505"/>
+                  <a:pt x="1171834" y="0"/>
+                </a:cubicBezTo>
+                <a:cubicBezTo>
+                  <a:pt x="1439209" y="19505"/>
+                  <a:pt x="1744369" y="9790"/>
+                  <a:pt x="1887955" y="0"/>
+                </a:cubicBezTo>
+                <a:cubicBezTo>
+                  <a:pt x="2031541" y="-9790"/>
+                  <a:pt x="2346378" y="21240"/>
+                  <a:pt x="2506423" y="0"/>
+                </a:cubicBezTo>
+                <a:cubicBezTo>
+                  <a:pt x="2666468" y="-21240"/>
+                  <a:pt x="2990257" y="30414"/>
+                  <a:pt x="3255095" y="0"/>
+                </a:cubicBezTo>
+                <a:cubicBezTo>
+                  <a:pt x="3254831" y="4493"/>
+                  <a:pt x="3255479" y="9472"/>
+                  <a:pt x="3255095" y="18288"/>
+                </a:cubicBezTo>
+                <a:cubicBezTo>
+                  <a:pt x="3120743" y="16690"/>
+                  <a:pt x="2759628" y="42462"/>
+                  <a:pt x="2604076" y="18288"/>
+                </a:cubicBezTo>
+                <a:cubicBezTo>
+                  <a:pt x="2448524" y="-5886"/>
+                  <a:pt x="2184336" y="19599"/>
+                  <a:pt x="1887955" y="18288"/>
+                </a:cubicBezTo>
+                <a:cubicBezTo>
+                  <a:pt x="1591574" y="16977"/>
+                  <a:pt x="1548845" y="6870"/>
+                  <a:pt x="1334589" y="18288"/>
+                </a:cubicBezTo>
+                <a:cubicBezTo>
+                  <a:pt x="1120333" y="29706"/>
+                  <a:pt x="996014" y="9662"/>
+                  <a:pt x="683570" y="18288"/>
+                </a:cubicBezTo>
+                <a:cubicBezTo>
+                  <a:pt x="371126" y="26914"/>
+                  <a:pt x="198687" y="16167"/>
+                  <a:pt x="0" y="18288"/>
+                </a:cubicBezTo>
+                <a:cubicBezTo>
+                  <a:pt x="843" y="9577"/>
+                  <a:pt x="371" y="6900"/>
+                  <a:pt x="0" y="0"/>
+                </a:cubicBezTo>
+                <a:close/>
+              </a:path>
+            </a:pathLst>
+          </a:custGeom>
+          <a:solidFill>
+            <a:schemeClr val="accent2"/>
+          </a:solidFill>
+          <a:ln w="38100" cap="rnd">
+            <a:solidFill>
+              <a:schemeClr val="accent2"/>
+            </a:solidFill>
+            <a:round/>
+            <a:extLst>
+              <a:ext uri="{C807C97D-BFC1-408E-A445-0C87EB9F89A2}">
+                <ask:lineSketchStyleProps xmlns:ask="http://schemas.microsoft.com/office/drawing/2018/sketchyshapes" sd="1219033472">
+                  <a:prstGeom prst="rect">
+                    <a:avLst/>
+                  </a:prstGeom>
+                  <ask:type>
+                    <ask:lineSketchFreehand/>
+                  </ask:type>
+                </ask:lineSketchStyleProps>
+              </a:ext>
+            </a:extLst>
+          </a:ln>
+        </p:spPr>
+        <p:style>
+          <a:lnRef idx="2">
+            <a:schemeClr val="accent1">
+              <a:shade val="50000"/>
+            </a:schemeClr>
+          </a:lnRef>
+          <a:fillRef idx="1">
+            <a:schemeClr val="accent1"/>
+          </a:fillRef>
+          <a:effectRef idx="0">
+            <a:schemeClr val="accent1"/>
+          </a:effectRef>
+          <a:fontRef idx="minor">
+            <a:schemeClr val="lt1"/>
+          </a:fontRef>
+        </p:style>
+        <p:txBody>
+          <a:bodyPr rtlCol="0" anchor="ctr"/>
+          <a:lstStyle/>
+          <a:p>
+            <a:pPr algn="ctr"/>
+            <a:endParaRPr lang="en-US"/>
+          </a:p>
+        </p:txBody>
+      </p:sp>
+      <p:sp>
+        <p:nvSpPr>
+          <p:cNvPr id="3" name="Content Placeholder 2">
+            <a:extLst>
+              <a:ext uri="{FF2B5EF4-FFF2-40B4-BE49-F238E27FC236}">
+                <a16:creationId xmlns:a16="http://schemas.microsoft.com/office/drawing/2014/main" id="{D6B6C01F-C5A0-1C53-1AA8-862E1C566C69}"/>
+              </a:ext>
+            </a:extLst>
+          </p:cNvPr>
+          <p:cNvSpPr>
+            <a:spLocks noGrp="1"/>
+          </p:cNvSpPr>
+          <p:nvPr>
+            <p:ph idx="1"/>
+          </p:nvPr>
+        </p:nvSpPr>
+        <p:spPr>
+          <a:xfrm>
+            <a:off x="630936" y="2807208"/>
+            <a:ext cx="3429000" cy="3410712"/>
+          </a:xfrm>
+        </p:spPr>
+        <p:txBody>
+          <a:bodyPr anchor="t">
+            <a:normAutofit/>
+          </a:bodyPr>
+          <a:lstStyle/>
+          <a:p>
+            <a:r>
+              <a:rPr lang="en-US" sz="2200"/>
+              <a:t>Generics with classes in TypeScript allow you to create reusable classes that can work with different types. You can define a generic class by specifying a type parameter that can be used throughout the class definition. Here's an example:</a:t>
+            </a:r>
+            <a:endParaRPr lang="en-IL" sz="2200"/>
+          </a:p>
+        </p:txBody>
+      </p:sp>
+      <p:pic>
+        <p:nvPicPr>
+          <p:cNvPr id="4" name="Picture 3">
+            <a:extLst>
+              <a:ext uri="{FF2B5EF4-FFF2-40B4-BE49-F238E27FC236}">
+                <a16:creationId xmlns:a16="http://schemas.microsoft.com/office/drawing/2014/main" id="{80279716-723A-0C64-1432-D1C7536CA50F}"/>
+              </a:ext>
+            </a:extLst>
+          </p:cNvPr>
+          <p:cNvPicPr>
+            <a:picLocks noChangeAspect="1"/>
+          </p:cNvPicPr>
+          <p:nvPr/>
+        </p:nvPicPr>
+        <p:blipFill>
+          <a:blip r:embed="rId2"/>
+          <a:stretch>
+            <a:fillRect/>
+          </a:stretch>
+        </p:blipFill>
+        <p:spPr>
+          <a:xfrm>
+            <a:off x="5066461" y="640080"/>
+            <a:ext cx="6079390" cy="5577840"/>
+          </a:xfrm>
+          <a:prstGeom prst="rect">
+            <a:avLst/>
+          </a:prstGeom>
+        </p:spPr>
+      </p:pic>
+    </p:spTree>
+    <p:extLst>
+      <p:ext uri="{BB962C8B-B14F-4D97-AF65-F5344CB8AC3E}">
+        <p14:creationId xmlns:p14="http://schemas.microsoft.com/office/powerpoint/2010/main" val="2360555946"/>
+      </p:ext>
+    </p:extLst>
+  </p:cSld>
+  <p:clrMapOvr>
+    <a:masterClrMapping/>
+  </p:clrMapOvr>
+</p:sld>
+</file>
+
+<file path=ppt/slides/slide15.xml><?xml version="1.0" encoding="utf-8"?>
+<p:sld xmlns:a="http://schemas.openxmlformats.org/drawingml/2006/main" xmlns:r="http://schemas.openxmlformats.org/officeDocument/2006/relationships" xmlns:p="http://schemas.openxmlformats.org/presentationml/2006/main">
+  <p:cSld>
+    <p:spTree>
+      <p:nvGrpSpPr>
+        <p:cNvPr id="1" name=""/>
+        <p:cNvGrpSpPr/>
+        <p:nvPr/>
+      </p:nvGrpSpPr>
+      <p:grpSpPr>
+        <a:xfrm>
+          <a:off x="0" y="0"/>
+          <a:ext cx="0" cy="0"/>
+          <a:chOff x="0" y="0"/>
+          <a:chExt cx="0" cy="0"/>
+        </a:xfrm>
+      </p:grpSpPr>
+      <p:sp>
+        <p:nvSpPr>
+          <p:cNvPr id="2" name="Title 1">
+            <a:extLst>
+              <a:ext uri="{FF2B5EF4-FFF2-40B4-BE49-F238E27FC236}">
+                <a16:creationId xmlns:a16="http://schemas.microsoft.com/office/drawing/2014/main" id="{DFC02DC3-F3A4-D4AA-AD4A-3D6845F0339C}"/>
+              </a:ext>
+            </a:extLst>
+          </p:cNvPr>
+          <p:cNvSpPr>
+            <a:spLocks noGrp="1"/>
+          </p:cNvSpPr>
+          <p:nvPr>
+            <p:ph type="title"/>
+          </p:nvPr>
+        </p:nvSpPr>
+        <p:spPr/>
+        <p:txBody>
+          <a:bodyPr/>
+          <a:lstStyle/>
+          <a:p>
+            <a:endParaRPr lang="en-IL"/>
+          </a:p>
+        </p:txBody>
+      </p:sp>
+      <p:sp>
+        <p:nvSpPr>
+          <p:cNvPr id="3" name="Content Placeholder 2">
+            <a:extLst>
+              <a:ext uri="{FF2B5EF4-FFF2-40B4-BE49-F238E27FC236}">
+                <a16:creationId xmlns:a16="http://schemas.microsoft.com/office/drawing/2014/main" id="{C54D9E3D-17AB-35DA-820D-56DA59FE5DF4}"/>
+              </a:ext>
+            </a:extLst>
+          </p:cNvPr>
+          <p:cNvSpPr>
+            <a:spLocks noGrp="1"/>
+          </p:cNvSpPr>
+          <p:nvPr>
+            <p:ph idx="1"/>
+          </p:nvPr>
+        </p:nvSpPr>
+        <p:spPr/>
+        <p:txBody>
+          <a:bodyPr/>
+          <a:lstStyle/>
+          <a:p>
+            <a:endParaRPr lang="en-IL"/>
+          </a:p>
+        </p:txBody>
+      </p:sp>
+    </p:spTree>
+    <p:extLst>
+      <p:ext uri="{BB962C8B-B14F-4D97-AF65-F5344CB8AC3E}">
+        <p14:creationId xmlns:p14="http://schemas.microsoft.com/office/powerpoint/2010/main" val="3630181189"/>
       </p:ext>
     </p:extLst>
   </p:cSld>

--- a/22ass/supabase project.pptx
+++ b/22ass/supabase project.pptx
@@ -20,6 +20,14 @@
     <p:sldId id="268" r:id="rId14"/>
     <p:sldId id="269" r:id="rId15"/>
     <p:sldId id="270" r:id="rId16"/>
+    <p:sldId id="271" r:id="rId17"/>
+    <p:sldId id="272" r:id="rId18"/>
+    <p:sldId id="273" r:id="rId19"/>
+    <p:sldId id="274" r:id="rId20"/>
+    <p:sldId id="275" r:id="rId21"/>
+    <p:sldId id="276" r:id="rId22"/>
+    <p:sldId id="277" r:id="rId23"/>
+    <p:sldId id="278" r:id="rId24"/>
   </p:sldIdLst>
   <p:sldSz cx="12192000" cy="6858000"/>
   <p:notesSz cx="6858000" cy="9144000"/>
@@ -275,7 +283,7 @@
           <a:p>
             <a:fld id="{B10990EA-4905-B141-B764-62C7B5957B99}" type="datetimeFigureOut">
               <a:rPr lang="en-IL" smtClean="0"/>
-              <a:t>12/07/2023</a:t>
+              <a:t>17/07/2023</a:t>
             </a:fld>
             <a:endParaRPr lang="en-IL"/>
           </a:p>
@@ -475,7 +483,7 @@
           <a:p>
             <a:fld id="{B10990EA-4905-B141-B764-62C7B5957B99}" type="datetimeFigureOut">
               <a:rPr lang="en-IL" smtClean="0"/>
-              <a:t>12/07/2023</a:t>
+              <a:t>17/07/2023</a:t>
             </a:fld>
             <a:endParaRPr lang="en-IL"/>
           </a:p>
@@ -685,7 +693,7 @@
           <a:p>
             <a:fld id="{B10990EA-4905-B141-B764-62C7B5957B99}" type="datetimeFigureOut">
               <a:rPr lang="en-IL" smtClean="0"/>
-              <a:t>12/07/2023</a:t>
+              <a:t>17/07/2023</a:t>
             </a:fld>
             <a:endParaRPr lang="en-IL"/>
           </a:p>
@@ -885,7 +893,7 @@
           <a:p>
             <a:fld id="{B10990EA-4905-B141-B764-62C7B5957B99}" type="datetimeFigureOut">
               <a:rPr lang="en-IL" smtClean="0"/>
-              <a:t>12/07/2023</a:t>
+              <a:t>17/07/2023</a:t>
             </a:fld>
             <a:endParaRPr lang="en-IL"/>
           </a:p>
@@ -1161,7 +1169,7 @@
           <a:p>
             <a:fld id="{B10990EA-4905-B141-B764-62C7B5957B99}" type="datetimeFigureOut">
               <a:rPr lang="en-IL" smtClean="0"/>
-              <a:t>12/07/2023</a:t>
+              <a:t>17/07/2023</a:t>
             </a:fld>
             <a:endParaRPr lang="en-IL"/>
           </a:p>
@@ -1429,7 +1437,7 @@
           <a:p>
             <a:fld id="{B10990EA-4905-B141-B764-62C7B5957B99}" type="datetimeFigureOut">
               <a:rPr lang="en-IL" smtClean="0"/>
-              <a:t>12/07/2023</a:t>
+              <a:t>17/07/2023</a:t>
             </a:fld>
             <a:endParaRPr lang="en-IL"/>
           </a:p>
@@ -1844,7 +1852,7 @@
           <a:p>
             <a:fld id="{B10990EA-4905-B141-B764-62C7B5957B99}" type="datetimeFigureOut">
               <a:rPr lang="en-IL" smtClean="0"/>
-              <a:t>12/07/2023</a:t>
+              <a:t>17/07/2023</a:t>
             </a:fld>
             <a:endParaRPr lang="en-IL"/>
           </a:p>
@@ -1986,7 +1994,7 @@
           <a:p>
             <a:fld id="{B10990EA-4905-B141-B764-62C7B5957B99}" type="datetimeFigureOut">
               <a:rPr lang="en-IL" smtClean="0"/>
-              <a:t>12/07/2023</a:t>
+              <a:t>17/07/2023</a:t>
             </a:fld>
             <a:endParaRPr lang="en-IL"/>
           </a:p>
@@ -2099,7 +2107,7 @@
           <a:p>
             <a:fld id="{B10990EA-4905-B141-B764-62C7B5957B99}" type="datetimeFigureOut">
               <a:rPr lang="en-IL" smtClean="0"/>
-              <a:t>12/07/2023</a:t>
+              <a:t>17/07/2023</a:t>
             </a:fld>
             <a:endParaRPr lang="en-IL"/>
           </a:p>
@@ -2412,7 +2420,7 @@
           <a:p>
             <a:fld id="{B10990EA-4905-B141-B764-62C7B5957B99}" type="datetimeFigureOut">
               <a:rPr lang="en-IL" smtClean="0"/>
-              <a:t>12/07/2023</a:t>
+              <a:t>17/07/2023</a:t>
             </a:fld>
             <a:endParaRPr lang="en-IL"/>
           </a:p>
@@ -2701,7 +2709,7 @@
           <a:p>
             <a:fld id="{B10990EA-4905-B141-B764-62C7B5957B99}" type="datetimeFigureOut">
               <a:rPr lang="en-IL" smtClean="0"/>
-              <a:t>12/07/2023</a:t>
+              <a:t>17/07/2023</a:t>
             </a:fld>
             <a:endParaRPr lang="en-IL"/>
           </a:p>
@@ -2944,7 +2952,7 @@
           <a:p>
             <a:fld id="{B10990EA-4905-B141-B764-62C7B5957B99}" type="datetimeFigureOut">
               <a:rPr lang="en-IL" smtClean="0"/>
-              <a:t>12/07/2023</a:t>
+              <a:t>17/07/2023</a:t>
             </a:fld>
             <a:endParaRPr lang="en-IL"/>
           </a:p>
@@ -5669,6 +5677,14 @@
 <file path=ppt/slides/slide15.xml><?xml version="1.0" encoding="utf-8"?>
 <p:sld xmlns:a="http://schemas.openxmlformats.org/drawingml/2006/main" xmlns:r="http://schemas.openxmlformats.org/officeDocument/2006/relationships" xmlns:p="http://schemas.openxmlformats.org/presentationml/2006/main">
   <p:cSld>
+    <p:bg>
+      <p:bgPr>
+        <a:solidFill>
+          <a:schemeClr val="bg1"/>
+        </a:solidFill>
+        <a:effectLst/>
+      </p:bgPr>
+    </p:bg>
     <p:spTree>
       <p:nvGrpSpPr>
         <p:cNvPr id="1" name=""/>
@@ -5683,6 +5699,66 @@
           <a:chExt cx="0" cy="0"/>
         </a:xfrm>
       </p:grpSpPr>
+      <p:sp useBgFill="1">
+        <p:nvSpPr>
+          <p:cNvPr id="9" name="Rectangle 8">
+            <a:extLst>
+              <a:ext uri="{FF2B5EF4-FFF2-40B4-BE49-F238E27FC236}">
+                <a16:creationId xmlns:a16="http://schemas.microsoft.com/office/drawing/2014/main" id="{2C61293E-6EBE-43EF-A52C-9BEBFD7679D4}"/>
+              </a:ext>
+              <a:ext uri="{C183D7F6-B498-43B3-948B-1728B52AA6E4}">
+                <adec:decorative xmlns:adec="http://schemas.microsoft.com/office/drawing/2017/decorative" val="1"/>
+              </a:ext>
+            </a:extLst>
+          </p:cNvPr>
+          <p:cNvSpPr>
+            <a:spLocks noGrp="1" noRot="1" noChangeAspect="1" noMove="1" noResize="1" noEditPoints="1" noAdjustHandles="1" noChangeArrowheads="1" noChangeShapeType="1" noTextEdit="1"/>
+          </p:cNvSpPr>
+          <p:nvPr>
+            <p:extLst>
+              <p:ext uri="{386F3935-93C4-4BCD-93E2-E3B085C9AB24}">
+                <p16:designElem xmlns:p16="http://schemas.microsoft.com/office/powerpoint/2015/main" val="1"/>
+              </p:ext>
+            </p:extLst>
+          </p:nvPr>
+        </p:nvSpPr>
+        <p:spPr>
+          <a:xfrm>
+            <a:off x="0" y="0"/>
+            <a:ext cx="12188952" cy="6858000"/>
+          </a:xfrm>
+          <a:prstGeom prst="rect">
+            <a:avLst/>
+          </a:prstGeom>
+          <a:ln>
+            <a:noFill/>
+          </a:ln>
+        </p:spPr>
+        <p:style>
+          <a:lnRef idx="2">
+            <a:schemeClr val="accent1">
+              <a:shade val="50000"/>
+            </a:schemeClr>
+          </a:lnRef>
+          <a:fillRef idx="1">
+            <a:schemeClr val="accent1"/>
+          </a:fillRef>
+          <a:effectRef idx="0">
+            <a:schemeClr val="accent1"/>
+          </a:effectRef>
+          <a:fontRef idx="minor">
+            <a:schemeClr val="lt1"/>
+          </a:fontRef>
+        </p:style>
+        <p:txBody>
+          <a:bodyPr rtlCol="0" anchor="ctr"/>
+          <a:lstStyle/>
+          <a:p>
+            <a:pPr algn="ctr"/>
+            <a:endParaRPr lang="en-US"/>
+          </a:p>
+        </p:txBody>
+      </p:sp>
       <p:sp>
         <p:nvSpPr>
           <p:cNvPr id="2" name="Title 1">
@@ -5699,12 +5775,506 @@
             <p:ph type="title"/>
           </p:nvPr>
         </p:nvSpPr>
-        <p:spPr/>
-        <p:txBody>
-          <a:bodyPr/>
-          <a:lstStyle/>
-          <a:p>
-            <a:endParaRPr lang="en-IL"/>
+        <p:spPr>
+          <a:xfrm>
+            <a:off x="5297762" y="329184"/>
+            <a:ext cx="6251110" cy="1783080"/>
+          </a:xfrm>
+        </p:spPr>
+        <p:txBody>
+          <a:bodyPr anchor="b">
+            <a:normAutofit/>
+          </a:bodyPr>
+          <a:lstStyle/>
+          <a:p>
+            <a:r>
+              <a:rPr lang="en-IL" sz="5400"/>
+              <a:t>Proxy</a:t>
+            </a:r>
+          </a:p>
+        </p:txBody>
+      </p:sp>
+      <p:pic>
+        <p:nvPicPr>
+          <p:cNvPr id="5" name="Picture 4" descr="Magnifying glass on clear background">
+            <a:extLst>
+              <a:ext uri="{FF2B5EF4-FFF2-40B4-BE49-F238E27FC236}">
+                <a16:creationId xmlns:a16="http://schemas.microsoft.com/office/drawing/2014/main" id="{4E32BD16-D45C-95F7-0BD2-078E835D7AD3}"/>
+              </a:ext>
+            </a:extLst>
+          </p:cNvPr>
+          <p:cNvPicPr>
+            <a:picLocks noChangeAspect="1"/>
+          </p:cNvPicPr>
+          <p:nvPr/>
+        </p:nvPicPr>
+        <p:blipFill rotWithShape="1">
+          <a:blip r:embed="rId2"/>
+          <a:srcRect l="40474" r="14194" b="-1"/>
+          <a:stretch/>
+        </p:blipFill>
+        <p:spPr>
+          <a:xfrm>
+            <a:off x="1" y="10"/>
+            <a:ext cx="4657344" cy="6857990"/>
+          </a:xfrm>
+          <a:custGeom>
+            <a:avLst/>
+            <a:gdLst/>
+            <a:ahLst/>
+            <a:cxnLst/>
+            <a:rect l="l" t="t" r="r" b="b"/>
+            <a:pathLst>
+              <a:path w="4657344" h="6858000">
+                <a:moveTo>
+                  <a:pt x="0" y="0"/>
+                </a:moveTo>
+                <a:lnTo>
+                  <a:pt x="3429755" y="0"/>
+                </a:lnTo>
+                <a:lnTo>
+                  <a:pt x="3526016" y="148742"/>
+                </a:lnTo>
+                <a:cubicBezTo>
+                  <a:pt x="3657740" y="365513"/>
+                  <a:pt x="3777402" y="589569"/>
+                  <a:pt x="3886489" y="819975"/>
+                </a:cubicBezTo>
+                <a:cubicBezTo>
+                  <a:pt x="3891856" y="833492"/>
+                  <a:pt x="3900663" y="845393"/>
+                  <a:pt x="3912049" y="854514"/>
+                </a:cubicBezTo>
+                <a:cubicBezTo>
+                  <a:pt x="3897352" y="819849"/>
+                  <a:pt x="3883037" y="784928"/>
+                  <a:pt x="3868083" y="750263"/>
+                </a:cubicBezTo>
+                <a:cubicBezTo>
+                  <a:pt x="3806989" y="608712"/>
+                  <a:pt x="3742478" y="469145"/>
+                  <a:pt x="3674155" y="331786"/>
+                </a:cubicBezTo>
+                <a:lnTo>
+                  <a:pt x="3496656" y="0"/>
+                </a:lnTo>
+                <a:lnTo>
+                  <a:pt x="3554371" y="0"/>
+                </a:lnTo>
+                <a:lnTo>
+                  <a:pt x="3661621" y="196614"/>
+                </a:lnTo>
+                <a:cubicBezTo>
+                  <a:pt x="3856899" y="573253"/>
+                  <a:pt x="4021071" y="966066"/>
+                  <a:pt x="4161279" y="1371196"/>
+                </a:cubicBezTo>
+                <a:cubicBezTo>
+                  <a:pt x="4379525" y="2007265"/>
+                  <a:pt x="4530141" y="2664286"/>
+                  <a:pt x="4610660" y="3331516"/>
+                </a:cubicBezTo>
+                <a:cubicBezTo>
+                  <a:pt x="4652837" y="3672965"/>
+                  <a:pt x="4671625" y="4013908"/>
+                  <a:pt x="4645040" y="4357388"/>
+                </a:cubicBezTo>
+                <a:cubicBezTo>
+                  <a:pt x="4613599" y="4758899"/>
+                  <a:pt x="4566181" y="5157998"/>
+                  <a:pt x="4485789" y="5552906"/>
+                </a:cubicBezTo>
+                <a:cubicBezTo>
+                  <a:pt x="4397121" y="5988893"/>
+                  <a:pt x="4276748" y="6414594"/>
+                  <a:pt x="4117769" y="6828295"/>
+                </a:cubicBezTo>
+                <a:lnTo>
+                  <a:pt x="4105288" y="6858000"/>
+                </a:lnTo>
+                <a:lnTo>
+                  <a:pt x="4052520" y="6858000"/>
+                </a:lnTo>
+                <a:lnTo>
+                  <a:pt x="4059369" y="6841549"/>
+                </a:lnTo>
+                <a:cubicBezTo>
+                  <a:pt x="4147276" y="6614016"/>
+                  <a:pt x="4224193" y="6380817"/>
+                  <a:pt x="4291518" y="6142729"/>
+                </a:cubicBezTo>
+                <a:cubicBezTo>
+                  <a:pt x="4350055" y="5935370"/>
+                  <a:pt x="4393256" y="5723695"/>
+                  <a:pt x="4443357" y="5513923"/>
+                </a:cubicBezTo>
+                <a:cubicBezTo>
+                  <a:pt x="4444541" y="5502788"/>
+                  <a:pt x="4445137" y="5491601"/>
+                  <a:pt x="4445146" y="5480401"/>
+                </a:cubicBezTo>
+                <a:cubicBezTo>
+                  <a:pt x="4408465" y="5607635"/>
+                  <a:pt x="4379196" y="5719759"/>
+                  <a:pt x="4344559" y="5830359"/>
+                </a:cubicBezTo>
+                <a:cubicBezTo>
+                  <a:pt x="4254261" y="6118381"/>
+                  <a:pt x="4150112" y="6398531"/>
+                  <a:pt x="4031702" y="6670527"/>
+                </a:cubicBezTo>
+                <a:lnTo>
+                  <a:pt x="3943824" y="6858000"/>
+                </a:lnTo>
+                <a:lnTo>
+                  <a:pt x="0" y="6858000"/>
+                </a:lnTo>
+                <a:close/>
+              </a:path>
+            </a:pathLst>
+          </a:custGeom>
+        </p:spPr>
+      </p:pic>
+      <p:sp>
+        <p:nvSpPr>
+          <p:cNvPr id="11" name="sketchy line">
+            <a:extLst>
+              <a:ext uri="{FF2B5EF4-FFF2-40B4-BE49-F238E27FC236}">
+                <a16:creationId xmlns:a16="http://schemas.microsoft.com/office/drawing/2014/main" id="{21540236-BFD5-4A9D-8840-4703E7F76825}"/>
+              </a:ext>
+              <a:ext uri="{C183D7F6-B498-43B3-948B-1728B52AA6E4}">
+                <adec:decorative xmlns:adec="http://schemas.microsoft.com/office/drawing/2017/decorative" val="1"/>
+              </a:ext>
+            </a:extLst>
+          </p:cNvPr>
+          <p:cNvSpPr>
+            <a:spLocks noGrp="1" noRot="1" noChangeAspect="1" noMove="1" noResize="1" noEditPoints="1" noAdjustHandles="1" noChangeArrowheads="1" noChangeShapeType="1" noTextEdit="1"/>
+          </p:cNvSpPr>
+          <p:nvPr>
+            <p:extLst>
+              <p:ext uri="{386F3935-93C4-4BCD-93E2-E3B085C9AB24}">
+                <p16:designElem xmlns:p16="http://schemas.microsoft.com/office/powerpoint/2015/main" val="1"/>
+              </p:ext>
+            </p:extLst>
+          </p:nvPr>
+        </p:nvSpPr>
+        <p:spPr>
+          <a:xfrm>
+            <a:off x="5297762" y="2374947"/>
+            <a:ext cx="4243589" cy="18288"/>
+          </a:xfrm>
+          <a:custGeom>
+            <a:avLst/>
+            <a:gdLst>
+              <a:gd name="connsiteX0" fmla="*/ 0 w 4243589"/>
+              <a:gd name="connsiteY0" fmla="*/ 0 h 18288"/>
+              <a:gd name="connsiteX1" fmla="*/ 478919 w 4243589"/>
+              <a:gd name="connsiteY1" fmla="*/ 0 h 18288"/>
+              <a:gd name="connsiteX2" fmla="*/ 957839 w 4243589"/>
+              <a:gd name="connsiteY2" fmla="*/ 0 h 18288"/>
+              <a:gd name="connsiteX3" fmla="*/ 1521630 w 4243589"/>
+              <a:gd name="connsiteY3" fmla="*/ 0 h 18288"/>
+              <a:gd name="connsiteX4" fmla="*/ 2212729 w 4243589"/>
+              <a:gd name="connsiteY4" fmla="*/ 0 h 18288"/>
+              <a:gd name="connsiteX5" fmla="*/ 2734084 w 4243589"/>
+              <a:gd name="connsiteY5" fmla="*/ 0 h 18288"/>
+              <a:gd name="connsiteX6" fmla="*/ 3255439 w 4243589"/>
+              <a:gd name="connsiteY6" fmla="*/ 0 h 18288"/>
+              <a:gd name="connsiteX7" fmla="*/ 4243589 w 4243589"/>
+              <a:gd name="connsiteY7" fmla="*/ 0 h 18288"/>
+              <a:gd name="connsiteX8" fmla="*/ 4243589 w 4243589"/>
+              <a:gd name="connsiteY8" fmla="*/ 18288 h 18288"/>
+              <a:gd name="connsiteX9" fmla="*/ 3594926 w 4243589"/>
+              <a:gd name="connsiteY9" fmla="*/ 18288 h 18288"/>
+              <a:gd name="connsiteX10" fmla="*/ 3073571 w 4243589"/>
+              <a:gd name="connsiteY10" fmla="*/ 18288 h 18288"/>
+              <a:gd name="connsiteX11" fmla="*/ 2552216 w 4243589"/>
+              <a:gd name="connsiteY11" fmla="*/ 18288 h 18288"/>
+              <a:gd name="connsiteX12" fmla="*/ 1903553 w 4243589"/>
+              <a:gd name="connsiteY12" fmla="*/ 18288 h 18288"/>
+              <a:gd name="connsiteX13" fmla="*/ 1212454 w 4243589"/>
+              <a:gd name="connsiteY13" fmla="*/ 18288 h 18288"/>
+              <a:gd name="connsiteX14" fmla="*/ 733535 w 4243589"/>
+              <a:gd name="connsiteY14" fmla="*/ 18288 h 18288"/>
+              <a:gd name="connsiteX15" fmla="*/ 0 w 4243589"/>
+              <a:gd name="connsiteY15" fmla="*/ 18288 h 18288"/>
+              <a:gd name="connsiteX16" fmla="*/ 0 w 4243589"/>
+              <a:gd name="connsiteY16" fmla="*/ 0 h 18288"/>
+            </a:gdLst>
+            <a:ahLst/>
+            <a:cxnLst>
+              <a:cxn ang="0">
+                <a:pos x="connsiteX0" y="connsiteY0"/>
+              </a:cxn>
+              <a:cxn ang="0">
+                <a:pos x="connsiteX1" y="connsiteY1"/>
+              </a:cxn>
+              <a:cxn ang="0">
+                <a:pos x="connsiteX2" y="connsiteY2"/>
+              </a:cxn>
+              <a:cxn ang="0">
+                <a:pos x="connsiteX3" y="connsiteY3"/>
+              </a:cxn>
+              <a:cxn ang="0">
+                <a:pos x="connsiteX4" y="connsiteY4"/>
+              </a:cxn>
+              <a:cxn ang="0">
+                <a:pos x="connsiteX5" y="connsiteY5"/>
+              </a:cxn>
+              <a:cxn ang="0">
+                <a:pos x="connsiteX6" y="connsiteY6"/>
+              </a:cxn>
+              <a:cxn ang="0">
+                <a:pos x="connsiteX7" y="connsiteY7"/>
+              </a:cxn>
+              <a:cxn ang="0">
+                <a:pos x="connsiteX8" y="connsiteY8"/>
+              </a:cxn>
+              <a:cxn ang="0">
+                <a:pos x="connsiteX9" y="connsiteY9"/>
+              </a:cxn>
+              <a:cxn ang="0">
+                <a:pos x="connsiteX10" y="connsiteY10"/>
+              </a:cxn>
+              <a:cxn ang="0">
+                <a:pos x="connsiteX11" y="connsiteY11"/>
+              </a:cxn>
+              <a:cxn ang="0">
+                <a:pos x="connsiteX12" y="connsiteY12"/>
+              </a:cxn>
+              <a:cxn ang="0">
+                <a:pos x="connsiteX13" y="connsiteY13"/>
+              </a:cxn>
+              <a:cxn ang="0">
+                <a:pos x="connsiteX14" y="connsiteY14"/>
+              </a:cxn>
+              <a:cxn ang="0">
+                <a:pos x="connsiteX15" y="connsiteY15"/>
+              </a:cxn>
+              <a:cxn ang="0">
+                <a:pos x="connsiteX16" y="connsiteY16"/>
+              </a:cxn>
+            </a:cxnLst>
+            <a:rect l="l" t="t" r="r" b="b"/>
+            <a:pathLst>
+              <a:path w="4243589" h="18288" fill="none" extrusionOk="0">
+                <a:moveTo>
+                  <a:pt x="0" y="0"/>
+                </a:moveTo>
+                <a:cubicBezTo>
+                  <a:pt x="213395" y="-21006"/>
+                  <a:pt x="307421" y="-18116"/>
+                  <a:pt x="478919" y="0"/>
+                </a:cubicBezTo>
+                <a:cubicBezTo>
+                  <a:pt x="650417" y="18116"/>
+                  <a:pt x="831092" y="-21237"/>
+                  <a:pt x="957839" y="0"/>
+                </a:cubicBezTo>
+                <a:cubicBezTo>
+                  <a:pt x="1084586" y="21237"/>
+                  <a:pt x="1301682" y="25124"/>
+                  <a:pt x="1521630" y="0"/>
+                </a:cubicBezTo>
+                <a:cubicBezTo>
+                  <a:pt x="1741578" y="-25124"/>
+                  <a:pt x="1970269" y="-29139"/>
+                  <a:pt x="2212729" y="0"/>
+                </a:cubicBezTo>
+                <a:cubicBezTo>
+                  <a:pt x="2455189" y="29139"/>
+                  <a:pt x="2558847" y="-4796"/>
+                  <a:pt x="2734084" y="0"/>
+                </a:cubicBezTo>
+                <a:cubicBezTo>
+                  <a:pt x="2909321" y="4796"/>
+                  <a:pt x="3097217" y="-13409"/>
+                  <a:pt x="3255439" y="0"/>
+                </a:cubicBezTo>
+                <a:cubicBezTo>
+                  <a:pt x="3413662" y="13409"/>
+                  <a:pt x="3979999" y="-10121"/>
+                  <a:pt x="4243589" y="0"/>
+                </a:cubicBezTo>
+                <a:cubicBezTo>
+                  <a:pt x="4244484" y="8974"/>
+                  <a:pt x="4243043" y="9359"/>
+                  <a:pt x="4243589" y="18288"/>
+                </a:cubicBezTo>
+                <a:cubicBezTo>
+                  <a:pt x="4058777" y="31246"/>
+                  <a:pt x="3910348" y="3158"/>
+                  <a:pt x="3594926" y="18288"/>
+                </a:cubicBezTo>
+                <a:cubicBezTo>
+                  <a:pt x="3279504" y="33418"/>
+                  <a:pt x="3319955" y="-3977"/>
+                  <a:pt x="3073571" y="18288"/>
+                </a:cubicBezTo>
+                <a:cubicBezTo>
+                  <a:pt x="2827187" y="40553"/>
+                  <a:pt x="2767387" y="1863"/>
+                  <a:pt x="2552216" y="18288"/>
+                </a:cubicBezTo>
+                <a:cubicBezTo>
+                  <a:pt x="2337046" y="34713"/>
+                  <a:pt x="2181871" y="19527"/>
+                  <a:pt x="1903553" y="18288"/>
+                </a:cubicBezTo>
+                <a:cubicBezTo>
+                  <a:pt x="1625235" y="17049"/>
+                  <a:pt x="1557672" y="24174"/>
+                  <a:pt x="1212454" y="18288"/>
+                </a:cubicBezTo>
+                <a:cubicBezTo>
+                  <a:pt x="867236" y="12402"/>
+                  <a:pt x="874382" y="15627"/>
+                  <a:pt x="733535" y="18288"/>
+                </a:cubicBezTo>
+                <a:cubicBezTo>
+                  <a:pt x="592688" y="20949"/>
+                  <a:pt x="183477" y="14753"/>
+                  <a:pt x="0" y="18288"/>
+                </a:cubicBezTo>
+                <a:cubicBezTo>
+                  <a:pt x="-229" y="14222"/>
+                  <a:pt x="509" y="5816"/>
+                  <a:pt x="0" y="0"/>
+                </a:cubicBezTo>
+                <a:close/>
+              </a:path>
+              <a:path w="4243589" h="18288" stroke="0" extrusionOk="0">
+                <a:moveTo>
+                  <a:pt x="0" y="0"/>
+                </a:moveTo>
+                <a:cubicBezTo>
+                  <a:pt x="143690" y="16630"/>
+                  <a:pt x="266667" y="14847"/>
+                  <a:pt x="521355" y="0"/>
+                </a:cubicBezTo>
+                <a:cubicBezTo>
+                  <a:pt x="776043" y="-14847"/>
+                  <a:pt x="814491" y="-17363"/>
+                  <a:pt x="1000275" y="0"/>
+                </a:cubicBezTo>
+                <a:cubicBezTo>
+                  <a:pt x="1186059" y="17363"/>
+                  <a:pt x="1352504" y="-23507"/>
+                  <a:pt x="1521630" y="0"/>
+                </a:cubicBezTo>
+                <a:cubicBezTo>
+                  <a:pt x="1690756" y="23507"/>
+                  <a:pt x="1889525" y="5871"/>
+                  <a:pt x="2127857" y="0"/>
+                </a:cubicBezTo>
+                <a:cubicBezTo>
+                  <a:pt x="2366189" y="-5871"/>
+                  <a:pt x="2620628" y="-27997"/>
+                  <a:pt x="2776520" y="0"/>
+                </a:cubicBezTo>
+                <a:cubicBezTo>
+                  <a:pt x="2932412" y="27997"/>
+                  <a:pt x="3131683" y="-25073"/>
+                  <a:pt x="3467618" y="0"/>
+                </a:cubicBezTo>
+                <a:cubicBezTo>
+                  <a:pt x="3803553" y="25073"/>
+                  <a:pt x="4017371" y="3071"/>
+                  <a:pt x="4243589" y="0"/>
+                </a:cubicBezTo>
+                <a:cubicBezTo>
+                  <a:pt x="4243134" y="6162"/>
+                  <a:pt x="4243492" y="11775"/>
+                  <a:pt x="4243589" y="18288"/>
+                </a:cubicBezTo>
+                <a:cubicBezTo>
+                  <a:pt x="4017834" y="-5779"/>
+                  <a:pt x="3834586" y="13376"/>
+                  <a:pt x="3594926" y="18288"/>
+                </a:cubicBezTo>
+                <a:cubicBezTo>
+                  <a:pt x="3355266" y="23200"/>
+                  <a:pt x="3204179" y="2869"/>
+                  <a:pt x="2903827" y="18288"/>
+                </a:cubicBezTo>
+                <a:cubicBezTo>
+                  <a:pt x="2603475" y="33707"/>
+                  <a:pt x="2526187" y="46187"/>
+                  <a:pt x="2212729" y="18288"/>
+                </a:cubicBezTo>
+                <a:cubicBezTo>
+                  <a:pt x="1899271" y="-9611"/>
+                  <a:pt x="1966289" y="29692"/>
+                  <a:pt x="1733809" y="18288"/>
+                </a:cubicBezTo>
+                <a:cubicBezTo>
+                  <a:pt x="1501329" y="6884"/>
+                  <a:pt x="1343612" y="12492"/>
+                  <a:pt x="1085146" y="18288"/>
+                </a:cubicBezTo>
+                <a:cubicBezTo>
+                  <a:pt x="826680" y="24084"/>
+                  <a:pt x="778184" y="35607"/>
+                  <a:pt x="521355" y="18288"/>
+                </a:cubicBezTo>
+                <a:cubicBezTo>
+                  <a:pt x="264526" y="969"/>
+                  <a:pt x="120277" y="4268"/>
+                  <a:pt x="0" y="18288"/>
+                </a:cubicBezTo>
+                <a:cubicBezTo>
+                  <a:pt x="766" y="10800"/>
+                  <a:pt x="-457" y="8180"/>
+                  <a:pt x="0" y="0"/>
+                </a:cubicBezTo>
+                <a:close/>
+              </a:path>
+            </a:pathLst>
+          </a:custGeom>
+          <a:solidFill>
+            <a:schemeClr val="accent2"/>
+          </a:solidFill>
+          <a:ln w="44450" cap="rnd">
+            <a:solidFill>
+              <a:schemeClr val="accent2"/>
+            </a:solidFill>
+            <a:round/>
+            <a:extLst>
+              <a:ext uri="{C807C97D-BFC1-408E-A445-0C87EB9F89A2}">
+                <ask:lineSketchStyleProps xmlns:ask="http://schemas.microsoft.com/office/drawing/2018/sketchyshapes" sd="2727557108">
+                  <a:prstGeom prst="rect">
+                    <a:avLst/>
+                  </a:prstGeom>
+                  <ask:type>
+                    <ask:lineSketchFreehand/>
+                  </ask:type>
+                </ask:lineSketchStyleProps>
+              </a:ext>
+            </a:extLst>
+          </a:ln>
+        </p:spPr>
+        <p:style>
+          <a:lnRef idx="2">
+            <a:schemeClr val="accent1">
+              <a:shade val="50000"/>
+            </a:schemeClr>
+          </a:lnRef>
+          <a:fillRef idx="1">
+            <a:schemeClr val="accent1"/>
+          </a:fillRef>
+          <a:effectRef idx="0">
+            <a:schemeClr val="accent1"/>
+          </a:effectRef>
+          <a:fontRef idx="minor">
+            <a:schemeClr val="lt1"/>
+          </a:fontRef>
+        </p:style>
+        <p:txBody>
+          <a:bodyPr rtlCol="0" anchor="ctr"/>
+          <a:lstStyle/>
+          <a:p>
+            <a:pPr algn="ctr"/>
+            <a:endParaRPr lang="en-US"/>
           </a:p>
         </p:txBody>
       </p:sp>
@@ -5724,12 +6294,43 @@
             <p:ph idx="1"/>
           </p:nvPr>
         </p:nvSpPr>
-        <p:spPr/>
-        <p:txBody>
-          <a:bodyPr/>
-          <a:lstStyle/>
-          <a:p>
-            <a:endParaRPr lang="en-IL"/>
+        <p:spPr>
+          <a:xfrm>
+            <a:off x="5297762" y="2706624"/>
+            <a:ext cx="6251110" cy="3483864"/>
+          </a:xfrm>
+        </p:spPr>
+        <p:txBody>
+          <a:bodyPr>
+            <a:normAutofit/>
+          </a:bodyPr>
+          <a:lstStyle/>
+          <a:p>
+            <a:r>
+              <a:rPr lang="en-US" sz="1500" b="0" i="0">
+                <a:effectLst/>
+                <a:latin typeface="Söhne"/>
+              </a:rPr>
+              <a:t>In TypeScript, the Proxy is a built-in feature that allows you to create objects with custom behavior for fundamental operations like property access, assignment, function invocation, and more. It provides a way to intercept and modify the behavior of these operations on an object.</a:t>
+            </a:r>
+          </a:p>
+          <a:p>
+            <a:r>
+              <a:rPr lang="en-US" sz="1500" b="0" i="0">
+                <a:effectLst/>
+                <a:latin typeface="Söhne"/>
+              </a:rPr>
+              <a:t>The Proxy object serves as a wrapper around another object and can intercept operations performed on that object. It enables you to define custom behavior for these operations by providing a set of methods (known as traps) in a handler object.</a:t>
+            </a:r>
+          </a:p>
+          <a:p>
+            <a:r>
+              <a:rPr lang="en-US" sz="1500" b="0" i="0">
+                <a:effectLst/>
+                <a:latin typeface="Söhne"/>
+              </a:rPr>
+              <a:t>To create a Proxy in TypeScript, you use the Proxy constructor. It takes two main parameters: the target object and the handler object. The target object is the object you want to proxy, and the handler object contains the methods (traps) that intercept the operations.</a:t>
+            </a:r>
           </a:p>
         </p:txBody>
       </p:sp>
@@ -5737,6 +6338,632 @@
     <p:extLst>
       <p:ext uri="{BB962C8B-B14F-4D97-AF65-F5344CB8AC3E}">
         <p14:creationId xmlns:p14="http://schemas.microsoft.com/office/powerpoint/2010/main" val="3630181189"/>
+      </p:ext>
+    </p:extLst>
+  </p:cSld>
+  <p:clrMapOvr>
+    <a:masterClrMapping/>
+  </p:clrMapOvr>
+</p:sld>
+</file>
+
+<file path=ppt/slides/slide16.xml><?xml version="1.0" encoding="utf-8"?>
+<p:sld xmlns:a="http://schemas.openxmlformats.org/drawingml/2006/main" xmlns:r="http://schemas.openxmlformats.org/officeDocument/2006/relationships" xmlns:p="http://schemas.openxmlformats.org/presentationml/2006/main">
+  <p:cSld>
+    <p:spTree>
+      <p:nvGrpSpPr>
+        <p:cNvPr id="1" name=""/>
+        <p:cNvGrpSpPr/>
+        <p:nvPr/>
+      </p:nvGrpSpPr>
+      <p:grpSpPr>
+        <a:xfrm>
+          <a:off x="0" y="0"/>
+          <a:ext cx="0" cy="0"/>
+          <a:chOff x="0" y="0"/>
+          <a:chExt cx="0" cy="0"/>
+        </a:xfrm>
+      </p:grpSpPr>
+      <p:sp>
+        <p:nvSpPr>
+          <p:cNvPr id="2" name="Title 1">
+            <a:extLst>
+              <a:ext uri="{FF2B5EF4-FFF2-40B4-BE49-F238E27FC236}">
+                <a16:creationId xmlns:a16="http://schemas.microsoft.com/office/drawing/2014/main" id="{DFC02DC3-F3A4-D4AA-AD4A-3D6845F0339C}"/>
+              </a:ext>
+            </a:extLst>
+          </p:cNvPr>
+          <p:cNvSpPr>
+            <a:spLocks noGrp="1"/>
+          </p:cNvSpPr>
+          <p:nvPr>
+            <p:ph type="title"/>
+          </p:nvPr>
+        </p:nvSpPr>
+        <p:spPr/>
+        <p:txBody>
+          <a:bodyPr/>
+          <a:lstStyle/>
+          <a:p>
+            <a:r>
+              <a:rPr lang="en-US" b="0" i="0" dirty="0">
+                <a:solidFill>
+                  <a:srgbClr val="374151"/>
+                </a:solidFill>
+                <a:effectLst/>
+                <a:latin typeface="Söhne"/>
+              </a:rPr>
+              <a:t>handler</a:t>
+            </a:r>
+            <a:endParaRPr lang="en-IL" dirty="0"/>
+          </a:p>
+        </p:txBody>
+      </p:sp>
+      <p:sp>
+        <p:nvSpPr>
+          <p:cNvPr id="3" name="Content Placeholder 2">
+            <a:extLst>
+              <a:ext uri="{FF2B5EF4-FFF2-40B4-BE49-F238E27FC236}">
+                <a16:creationId xmlns:a16="http://schemas.microsoft.com/office/drawing/2014/main" id="{C54D9E3D-17AB-35DA-820D-56DA59FE5DF4}"/>
+              </a:ext>
+            </a:extLst>
+          </p:cNvPr>
+          <p:cNvSpPr>
+            <a:spLocks noGrp="1"/>
+          </p:cNvSpPr>
+          <p:nvPr>
+            <p:ph idx="1"/>
+          </p:nvPr>
+        </p:nvSpPr>
+        <p:spPr/>
+        <p:txBody>
+          <a:bodyPr>
+            <a:normAutofit fontScale="85000" lnSpcReduction="10000"/>
+          </a:bodyPr>
+          <a:lstStyle/>
+          <a:p>
+            <a:pPr algn="l">
+              <a:buFont typeface="Arial" panose="020B0604020202020204" pitchFamily="34" charset="0"/>
+              <a:buChar char="•"/>
+            </a:pPr>
+            <a:r>
+              <a:rPr lang="en-US" b="0" i="0" dirty="0">
+                <a:solidFill>
+                  <a:srgbClr val="374151"/>
+                </a:solidFill>
+                <a:effectLst/>
+                <a:latin typeface="Söhne"/>
+              </a:rPr>
+              <a:t>get(target, property, receiver): Intercepts property access on the target object. It is called when a property is read.</a:t>
+            </a:r>
+          </a:p>
+          <a:p>
+            <a:pPr algn="l">
+              <a:buFont typeface="Arial" panose="020B0604020202020204" pitchFamily="34" charset="0"/>
+              <a:buChar char="•"/>
+            </a:pPr>
+            <a:r>
+              <a:rPr lang="en-US" b="0" i="0" dirty="0">
+                <a:solidFill>
+                  <a:srgbClr val="374151"/>
+                </a:solidFill>
+                <a:effectLst/>
+                <a:latin typeface="Söhne"/>
+              </a:rPr>
+              <a:t>set(target, property, value, receiver): Intercepts property assignment on the target object. It is called when a property is modified.</a:t>
+            </a:r>
+          </a:p>
+          <a:p>
+            <a:pPr algn="l">
+              <a:buFont typeface="Arial" panose="020B0604020202020204" pitchFamily="34" charset="0"/>
+              <a:buChar char="•"/>
+            </a:pPr>
+            <a:r>
+              <a:rPr lang="en-US" b="0" i="0" dirty="0">
+                <a:solidFill>
+                  <a:srgbClr val="374151"/>
+                </a:solidFill>
+                <a:effectLst/>
+                <a:latin typeface="Söhne"/>
+              </a:rPr>
+              <a:t>apply(target, </a:t>
+            </a:r>
+            <a:r>
+              <a:rPr lang="en-US" b="0" i="0" dirty="0" err="1">
+                <a:solidFill>
+                  <a:srgbClr val="374151"/>
+                </a:solidFill>
+                <a:effectLst/>
+                <a:latin typeface="Söhne"/>
+              </a:rPr>
+              <a:t>thisArg</a:t>
+            </a:r>
+            <a:r>
+              <a:rPr lang="en-US" b="0" i="0" dirty="0">
+                <a:solidFill>
+                  <a:srgbClr val="374151"/>
+                </a:solidFill>
+                <a:effectLst/>
+                <a:latin typeface="Söhne"/>
+              </a:rPr>
+              <a:t>, </a:t>
+            </a:r>
+            <a:r>
+              <a:rPr lang="en-US" b="0" i="0" dirty="0" err="1">
+                <a:solidFill>
+                  <a:srgbClr val="374151"/>
+                </a:solidFill>
+                <a:effectLst/>
+                <a:latin typeface="Söhne"/>
+              </a:rPr>
+              <a:t>argumentsList</a:t>
+            </a:r>
+            <a:r>
+              <a:rPr lang="en-US" b="0" i="0" dirty="0">
+                <a:solidFill>
+                  <a:srgbClr val="374151"/>
+                </a:solidFill>
+                <a:effectLst/>
+                <a:latin typeface="Söhne"/>
+              </a:rPr>
+              <a:t>): Intercepts function invocation on the target object. It is called when a function is called as a method.</a:t>
+            </a:r>
+          </a:p>
+          <a:p>
+            <a:pPr algn="l">
+              <a:buFont typeface="Arial" panose="020B0604020202020204" pitchFamily="34" charset="0"/>
+              <a:buChar char="•"/>
+            </a:pPr>
+            <a:r>
+              <a:rPr lang="en-US" b="0" i="0" dirty="0">
+                <a:solidFill>
+                  <a:srgbClr val="374151"/>
+                </a:solidFill>
+                <a:effectLst/>
+                <a:latin typeface="Söhne"/>
+              </a:rPr>
+              <a:t>construct(target, </a:t>
+            </a:r>
+            <a:r>
+              <a:rPr lang="en-US" b="0" i="0" dirty="0" err="1">
+                <a:solidFill>
+                  <a:srgbClr val="374151"/>
+                </a:solidFill>
+                <a:effectLst/>
+                <a:latin typeface="Söhne"/>
+              </a:rPr>
+              <a:t>argumentsList</a:t>
+            </a:r>
+            <a:r>
+              <a:rPr lang="en-US" b="0" i="0" dirty="0">
+                <a:solidFill>
+                  <a:srgbClr val="374151"/>
+                </a:solidFill>
+                <a:effectLst/>
+                <a:latin typeface="Söhne"/>
+              </a:rPr>
+              <a:t>, </a:t>
+            </a:r>
+            <a:r>
+              <a:rPr lang="en-US" b="0" i="0" dirty="0" err="1">
+                <a:solidFill>
+                  <a:srgbClr val="374151"/>
+                </a:solidFill>
+                <a:effectLst/>
+                <a:latin typeface="Söhne"/>
+              </a:rPr>
+              <a:t>newTarget</a:t>
+            </a:r>
+            <a:r>
+              <a:rPr lang="en-US" b="0" i="0" dirty="0">
+                <a:solidFill>
+                  <a:srgbClr val="374151"/>
+                </a:solidFill>
+                <a:effectLst/>
+                <a:latin typeface="Söhne"/>
+              </a:rPr>
+              <a:t>): Intercepts object instantiation using the new keyword. It is called when an object is created with the new operator.</a:t>
+            </a:r>
+          </a:p>
+          <a:p>
+            <a:pPr algn="l">
+              <a:buFont typeface="Arial" panose="020B0604020202020204" pitchFamily="34" charset="0"/>
+              <a:buChar char="•"/>
+            </a:pPr>
+            <a:r>
+              <a:rPr lang="en-US" b="0" i="0" dirty="0">
+                <a:solidFill>
+                  <a:srgbClr val="374151"/>
+                </a:solidFill>
+                <a:effectLst/>
+                <a:latin typeface="Söhne"/>
+              </a:rPr>
+              <a:t>has(target, property): Intercepts the in operator. It is called when checking for the existence of a property using the in operator.</a:t>
+            </a:r>
+          </a:p>
+          <a:p>
+            <a:pPr algn="l">
+              <a:buFont typeface="Arial" panose="020B0604020202020204" pitchFamily="34" charset="0"/>
+              <a:buChar char="•"/>
+            </a:pPr>
+            <a:r>
+              <a:rPr lang="en-US" b="0" i="0" dirty="0" err="1">
+                <a:solidFill>
+                  <a:srgbClr val="374151"/>
+                </a:solidFill>
+                <a:effectLst/>
+                <a:latin typeface="Söhne"/>
+              </a:rPr>
+              <a:t>deleteProperty</a:t>
+            </a:r>
+            <a:r>
+              <a:rPr lang="en-US" b="0" i="0" dirty="0">
+                <a:solidFill>
+                  <a:srgbClr val="374151"/>
+                </a:solidFill>
+                <a:effectLst/>
+                <a:latin typeface="Söhne"/>
+              </a:rPr>
+              <a:t>(target, property): Intercepts property deletion on the target object. It is called when a property is removed using the delete operator.</a:t>
+            </a:r>
+          </a:p>
+        </p:txBody>
+      </p:sp>
+    </p:spTree>
+    <p:extLst>
+      <p:ext uri="{BB962C8B-B14F-4D97-AF65-F5344CB8AC3E}">
+        <p14:creationId xmlns:p14="http://schemas.microsoft.com/office/powerpoint/2010/main" val="4129005884"/>
+      </p:ext>
+    </p:extLst>
+  </p:cSld>
+  <p:clrMapOvr>
+    <a:masterClrMapping/>
+  </p:clrMapOvr>
+</p:sld>
+</file>
+
+<file path=ppt/slides/slide17.xml><?xml version="1.0" encoding="utf-8"?>
+<p:sld xmlns:a="http://schemas.openxmlformats.org/drawingml/2006/main" xmlns:r="http://schemas.openxmlformats.org/officeDocument/2006/relationships" xmlns:p="http://schemas.openxmlformats.org/presentationml/2006/main">
+  <p:cSld>
+    <p:spTree>
+      <p:nvGrpSpPr>
+        <p:cNvPr id="1" name=""/>
+        <p:cNvGrpSpPr/>
+        <p:nvPr/>
+      </p:nvGrpSpPr>
+      <p:grpSpPr>
+        <a:xfrm>
+          <a:off x="0" y="0"/>
+          <a:ext cx="0" cy="0"/>
+          <a:chOff x="0" y="0"/>
+          <a:chExt cx="0" cy="0"/>
+        </a:xfrm>
+      </p:grpSpPr>
+      <p:sp>
+        <p:nvSpPr>
+          <p:cNvPr id="2" name="Title 1">
+            <a:extLst>
+              <a:ext uri="{FF2B5EF4-FFF2-40B4-BE49-F238E27FC236}">
+                <a16:creationId xmlns:a16="http://schemas.microsoft.com/office/drawing/2014/main" id="{DFC02DC3-F3A4-D4AA-AD4A-3D6845F0339C}"/>
+              </a:ext>
+            </a:extLst>
+          </p:cNvPr>
+          <p:cNvSpPr>
+            <a:spLocks noGrp="1"/>
+          </p:cNvSpPr>
+          <p:nvPr>
+            <p:ph type="title"/>
+          </p:nvPr>
+        </p:nvSpPr>
+        <p:spPr/>
+        <p:txBody>
+          <a:bodyPr/>
+          <a:lstStyle/>
+          <a:p>
+            <a:r>
+              <a:rPr lang="en-IL" dirty="0"/>
+              <a:t>Map</a:t>
+            </a:r>
+          </a:p>
+        </p:txBody>
+      </p:sp>
+      <p:sp>
+        <p:nvSpPr>
+          <p:cNvPr id="3" name="Content Placeholder 2">
+            <a:extLst>
+              <a:ext uri="{FF2B5EF4-FFF2-40B4-BE49-F238E27FC236}">
+                <a16:creationId xmlns:a16="http://schemas.microsoft.com/office/drawing/2014/main" id="{C54D9E3D-17AB-35DA-820D-56DA59FE5DF4}"/>
+              </a:ext>
+            </a:extLst>
+          </p:cNvPr>
+          <p:cNvSpPr>
+            <a:spLocks noGrp="1"/>
+          </p:cNvSpPr>
+          <p:nvPr>
+            <p:ph idx="1"/>
+          </p:nvPr>
+        </p:nvSpPr>
+        <p:spPr/>
+        <p:txBody>
+          <a:bodyPr/>
+          <a:lstStyle/>
+          <a:p>
+            <a:pPr algn="l"/>
+            <a:r>
+              <a:rPr lang="en-US" b="0" i="0" dirty="0">
+                <a:solidFill>
+                  <a:srgbClr val="374151"/>
+                </a:solidFill>
+                <a:effectLst/>
+                <a:latin typeface="Söhne"/>
+              </a:rPr>
+              <a:t>In TypeScript, Map is a built-in object type that stores key-value pairs in the order of their insertion. A Map object iterates its elements in insertion order, which can be very helpful in situations where order is important.</a:t>
+            </a:r>
+          </a:p>
+          <a:p>
+            <a:pPr algn="l"/>
+            <a:r>
+              <a:rPr lang="en-US" b="0" i="0" dirty="0">
+                <a:solidFill>
+                  <a:srgbClr val="374151"/>
+                </a:solidFill>
+                <a:effectLst/>
+                <a:latin typeface="Söhne"/>
+              </a:rPr>
+              <a:t>The Map type in TypeScript is very similar to the Map type in JavaScript. However, TypeScript allows you to specify the types of the keys and values when you create the Map, which provides type safety.</a:t>
+            </a:r>
+          </a:p>
+          <a:p>
+            <a:pPr marL="0" indent="0">
+              <a:buNone/>
+            </a:pPr>
+            <a:endParaRPr lang="en-IL" dirty="0"/>
+          </a:p>
+        </p:txBody>
+      </p:sp>
+    </p:spTree>
+    <p:extLst>
+      <p:ext uri="{BB962C8B-B14F-4D97-AF65-F5344CB8AC3E}">
+        <p14:creationId xmlns:p14="http://schemas.microsoft.com/office/powerpoint/2010/main" val="3239265029"/>
+      </p:ext>
+    </p:extLst>
+  </p:cSld>
+  <p:clrMapOvr>
+    <a:masterClrMapping/>
+  </p:clrMapOvr>
+</p:sld>
+</file>
+
+<file path=ppt/slides/slide18.xml><?xml version="1.0" encoding="utf-8"?>
+<p:sld xmlns:a="http://schemas.openxmlformats.org/drawingml/2006/main" xmlns:r="http://schemas.openxmlformats.org/officeDocument/2006/relationships" xmlns:p="http://schemas.openxmlformats.org/presentationml/2006/main">
+  <p:cSld>
+    <p:spTree>
+      <p:nvGrpSpPr>
+        <p:cNvPr id="1" name=""/>
+        <p:cNvGrpSpPr/>
+        <p:nvPr/>
+      </p:nvGrpSpPr>
+      <p:grpSpPr>
+        <a:xfrm>
+          <a:off x="0" y="0"/>
+          <a:ext cx="0" cy="0"/>
+          <a:chOff x="0" y="0"/>
+          <a:chExt cx="0" cy="0"/>
+        </a:xfrm>
+      </p:grpSpPr>
+      <p:sp>
+        <p:nvSpPr>
+          <p:cNvPr id="2" name="Title 1">
+            <a:extLst>
+              <a:ext uri="{FF2B5EF4-FFF2-40B4-BE49-F238E27FC236}">
+                <a16:creationId xmlns:a16="http://schemas.microsoft.com/office/drawing/2014/main" id="{DFC02DC3-F3A4-D4AA-AD4A-3D6845F0339C}"/>
+              </a:ext>
+            </a:extLst>
+          </p:cNvPr>
+          <p:cNvSpPr>
+            <a:spLocks noGrp="1"/>
+          </p:cNvSpPr>
+          <p:nvPr>
+            <p:ph type="title"/>
+          </p:nvPr>
+        </p:nvSpPr>
+        <p:spPr/>
+        <p:txBody>
+          <a:bodyPr/>
+          <a:lstStyle/>
+          <a:p>
+            <a:r>
+              <a:rPr lang="en-US" dirty="0"/>
+              <a:t>T</a:t>
+            </a:r>
+            <a:r>
+              <a:rPr lang="en-IL" dirty="0"/>
+              <a:t>ypescript interface vs Map</a:t>
+            </a:r>
+          </a:p>
+        </p:txBody>
+      </p:sp>
+      <p:sp>
+        <p:nvSpPr>
+          <p:cNvPr id="3" name="Content Placeholder 2">
+            <a:extLst>
+              <a:ext uri="{FF2B5EF4-FFF2-40B4-BE49-F238E27FC236}">
+                <a16:creationId xmlns:a16="http://schemas.microsoft.com/office/drawing/2014/main" id="{C54D9E3D-17AB-35DA-820D-56DA59FE5DF4}"/>
+              </a:ext>
+            </a:extLst>
+          </p:cNvPr>
+          <p:cNvSpPr>
+            <a:spLocks noGrp="1"/>
+          </p:cNvSpPr>
+          <p:nvPr>
+            <p:ph idx="1"/>
+          </p:nvPr>
+        </p:nvSpPr>
+        <p:spPr/>
+        <p:txBody>
+          <a:bodyPr>
+            <a:normAutofit fontScale="92500" lnSpcReduction="20000"/>
+          </a:bodyPr>
+          <a:lstStyle/>
+          <a:p>
+            <a:pPr algn="l"/>
+            <a:r>
+              <a:rPr lang="en-US" b="0" i="0" dirty="0">
+                <a:solidFill>
+                  <a:srgbClr val="374151"/>
+                </a:solidFill>
+                <a:effectLst/>
+                <a:latin typeface="Söhne"/>
+              </a:rPr>
+              <a:t>Interfaces and Maps in TypeScript are both used to organize data, but they serve different purposes and have different characteristics:</a:t>
+            </a:r>
+          </a:p>
+          <a:p>
+            <a:pPr algn="l"/>
+            <a:r>
+              <a:rPr lang="en-US" b="0" i="0" dirty="0">
+                <a:solidFill>
+                  <a:srgbClr val="374151"/>
+                </a:solidFill>
+                <a:effectLst/>
+                <a:latin typeface="Söhne"/>
+              </a:rPr>
+              <a:t>An interface in TypeScript is a way to define a contract for a particular structure of an object. It helps to check that a particular object fits the specified structure. It's a compile-time construct and hence it will not have generated code as JavaScript doesn't have the concept of interfaces.</a:t>
+            </a:r>
+          </a:p>
+          <a:p>
+            <a:pPr algn="l"/>
+            <a:r>
+              <a:rPr lang="en-US" b="0" i="0" dirty="0">
+                <a:solidFill>
+                  <a:srgbClr val="374151"/>
+                </a:solidFill>
+                <a:effectLst/>
+                <a:latin typeface="Söhne"/>
+              </a:rPr>
+              <a:t>A Map in TypeScript (as in JavaScript) is a data structure that allows you to store key-value pairs. It is a runtime concept, unlike interfaces. The keys and values in a Map can be of any type, not just strings or numbers.</a:t>
+            </a:r>
+          </a:p>
+          <a:p>
+            <a:br>
+              <a:rPr lang="en-US" dirty="0">
+                <a:effectLst/>
+                <a:latin typeface="Söhne"/>
+              </a:rPr>
+            </a:br>
+            <a:endParaRPr lang="en-US" dirty="0">
+              <a:effectLst/>
+              <a:latin typeface="Söhne"/>
+            </a:endParaRPr>
+          </a:p>
+          <a:p>
+            <a:pPr algn="l"/>
+            <a:br>
+              <a:rPr lang="en-US" b="0" i="0" dirty="0">
+                <a:solidFill>
+                  <a:srgbClr val="374151"/>
+                </a:solidFill>
+                <a:effectLst/>
+                <a:latin typeface="Söhne"/>
+              </a:rPr>
+            </a:br>
+            <a:endParaRPr lang="en-US" b="0" i="0" dirty="0">
+              <a:solidFill>
+                <a:srgbClr val="374151"/>
+              </a:solidFill>
+              <a:effectLst/>
+              <a:latin typeface="Söhne"/>
+            </a:endParaRPr>
+          </a:p>
+          <a:p>
+            <a:endParaRPr lang="en-IL" dirty="0"/>
+          </a:p>
+        </p:txBody>
+      </p:sp>
+    </p:spTree>
+    <p:extLst>
+      <p:ext uri="{BB962C8B-B14F-4D97-AF65-F5344CB8AC3E}">
+        <p14:creationId xmlns:p14="http://schemas.microsoft.com/office/powerpoint/2010/main" val="2836049769"/>
+      </p:ext>
+    </p:extLst>
+  </p:cSld>
+  <p:clrMapOvr>
+    <a:masterClrMapping/>
+  </p:clrMapOvr>
+</p:sld>
+</file>
+
+<file path=ppt/slides/slide19.xml><?xml version="1.0" encoding="utf-8"?>
+<p:sld xmlns:a="http://schemas.openxmlformats.org/drawingml/2006/main" xmlns:r="http://schemas.openxmlformats.org/officeDocument/2006/relationships" xmlns:p="http://schemas.openxmlformats.org/presentationml/2006/main">
+  <p:cSld>
+    <p:spTree>
+      <p:nvGrpSpPr>
+        <p:cNvPr id="1" name=""/>
+        <p:cNvGrpSpPr/>
+        <p:nvPr/>
+      </p:nvGrpSpPr>
+      <p:grpSpPr>
+        <a:xfrm>
+          <a:off x="0" y="0"/>
+          <a:ext cx="0" cy="0"/>
+          <a:chOff x="0" y="0"/>
+          <a:chExt cx="0" cy="0"/>
+        </a:xfrm>
+      </p:grpSpPr>
+      <p:sp>
+        <p:nvSpPr>
+          <p:cNvPr id="2" name="Title 1">
+            <a:extLst>
+              <a:ext uri="{FF2B5EF4-FFF2-40B4-BE49-F238E27FC236}">
+                <a16:creationId xmlns:a16="http://schemas.microsoft.com/office/drawing/2014/main" id="{DFC02DC3-F3A4-D4AA-AD4A-3D6845F0339C}"/>
+              </a:ext>
+            </a:extLst>
+          </p:cNvPr>
+          <p:cNvSpPr>
+            <a:spLocks noGrp="1"/>
+          </p:cNvSpPr>
+          <p:nvPr>
+            <p:ph type="title"/>
+          </p:nvPr>
+        </p:nvSpPr>
+        <p:spPr/>
+        <p:txBody>
+          <a:bodyPr/>
+          <a:lstStyle/>
+          <a:p>
+            <a:endParaRPr lang="en-IL" dirty="0"/>
+          </a:p>
+        </p:txBody>
+      </p:sp>
+      <p:sp>
+        <p:nvSpPr>
+          <p:cNvPr id="3" name="Content Placeholder 2">
+            <a:extLst>
+              <a:ext uri="{FF2B5EF4-FFF2-40B4-BE49-F238E27FC236}">
+                <a16:creationId xmlns:a16="http://schemas.microsoft.com/office/drawing/2014/main" id="{C54D9E3D-17AB-35DA-820D-56DA59FE5DF4}"/>
+              </a:ext>
+            </a:extLst>
+          </p:cNvPr>
+          <p:cNvSpPr>
+            <a:spLocks noGrp="1"/>
+          </p:cNvSpPr>
+          <p:nvPr>
+            <p:ph idx="1"/>
+          </p:nvPr>
+        </p:nvSpPr>
+        <p:spPr/>
+        <p:txBody>
+          <a:bodyPr/>
+          <a:lstStyle/>
+          <a:p>
+            <a:endParaRPr lang="en-IL"/>
+          </a:p>
+        </p:txBody>
+      </p:sp>
+    </p:spTree>
+    <p:extLst>
+      <p:ext uri="{BB962C8B-B14F-4D97-AF65-F5344CB8AC3E}">
+        <p14:creationId xmlns:p14="http://schemas.microsoft.com/office/powerpoint/2010/main" val="2286371395"/>
       </p:ext>
     </p:extLst>
   </p:cSld>
@@ -5940,6 +7167,326 @@
     <p:extLst>
       <p:ext uri="{BB962C8B-B14F-4D97-AF65-F5344CB8AC3E}">
         <p14:creationId xmlns:p14="http://schemas.microsoft.com/office/powerpoint/2010/main" val="1950511515"/>
+      </p:ext>
+    </p:extLst>
+  </p:cSld>
+  <p:clrMapOvr>
+    <a:masterClrMapping/>
+  </p:clrMapOvr>
+</p:sld>
+</file>
+
+<file path=ppt/slides/slide20.xml><?xml version="1.0" encoding="utf-8"?>
+<p:sld xmlns:a="http://schemas.openxmlformats.org/drawingml/2006/main" xmlns:r="http://schemas.openxmlformats.org/officeDocument/2006/relationships" xmlns:p="http://schemas.openxmlformats.org/presentationml/2006/main">
+  <p:cSld>
+    <p:spTree>
+      <p:nvGrpSpPr>
+        <p:cNvPr id="1" name=""/>
+        <p:cNvGrpSpPr/>
+        <p:nvPr/>
+      </p:nvGrpSpPr>
+      <p:grpSpPr>
+        <a:xfrm>
+          <a:off x="0" y="0"/>
+          <a:ext cx="0" cy="0"/>
+          <a:chOff x="0" y="0"/>
+          <a:chExt cx="0" cy="0"/>
+        </a:xfrm>
+      </p:grpSpPr>
+      <p:sp>
+        <p:nvSpPr>
+          <p:cNvPr id="2" name="Title 1">
+            <a:extLst>
+              <a:ext uri="{FF2B5EF4-FFF2-40B4-BE49-F238E27FC236}">
+                <a16:creationId xmlns:a16="http://schemas.microsoft.com/office/drawing/2014/main" id="{DFC02DC3-F3A4-D4AA-AD4A-3D6845F0339C}"/>
+              </a:ext>
+            </a:extLst>
+          </p:cNvPr>
+          <p:cNvSpPr>
+            <a:spLocks noGrp="1"/>
+          </p:cNvSpPr>
+          <p:nvPr>
+            <p:ph type="title"/>
+          </p:nvPr>
+        </p:nvSpPr>
+        <p:spPr/>
+        <p:txBody>
+          <a:bodyPr/>
+          <a:lstStyle/>
+          <a:p>
+            <a:endParaRPr lang="en-IL"/>
+          </a:p>
+        </p:txBody>
+      </p:sp>
+      <p:sp>
+        <p:nvSpPr>
+          <p:cNvPr id="3" name="Content Placeholder 2">
+            <a:extLst>
+              <a:ext uri="{FF2B5EF4-FFF2-40B4-BE49-F238E27FC236}">
+                <a16:creationId xmlns:a16="http://schemas.microsoft.com/office/drawing/2014/main" id="{C54D9E3D-17AB-35DA-820D-56DA59FE5DF4}"/>
+              </a:ext>
+            </a:extLst>
+          </p:cNvPr>
+          <p:cNvSpPr>
+            <a:spLocks noGrp="1"/>
+          </p:cNvSpPr>
+          <p:nvPr>
+            <p:ph idx="1"/>
+          </p:nvPr>
+        </p:nvSpPr>
+        <p:spPr/>
+        <p:txBody>
+          <a:bodyPr/>
+          <a:lstStyle/>
+          <a:p>
+            <a:endParaRPr lang="en-IL"/>
+          </a:p>
+        </p:txBody>
+      </p:sp>
+    </p:spTree>
+    <p:extLst>
+      <p:ext uri="{BB962C8B-B14F-4D97-AF65-F5344CB8AC3E}">
+        <p14:creationId xmlns:p14="http://schemas.microsoft.com/office/powerpoint/2010/main" val="1276378045"/>
+      </p:ext>
+    </p:extLst>
+  </p:cSld>
+  <p:clrMapOvr>
+    <a:masterClrMapping/>
+  </p:clrMapOvr>
+</p:sld>
+</file>
+
+<file path=ppt/slides/slide21.xml><?xml version="1.0" encoding="utf-8"?>
+<p:sld xmlns:a="http://schemas.openxmlformats.org/drawingml/2006/main" xmlns:r="http://schemas.openxmlformats.org/officeDocument/2006/relationships" xmlns:p="http://schemas.openxmlformats.org/presentationml/2006/main">
+  <p:cSld>
+    <p:spTree>
+      <p:nvGrpSpPr>
+        <p:cNvPr id="1" name=""/>
+        <p:cNvGrpSpPr/>
+        <p:nvPr/>
+      </p:nvGrpSpPr>
+      <p:grpSpPr>
+        <a:xfrm>
+          <a:off x="0" y="0"/>
+          <a:ext cx="0" cy="0"/>
+          <a:chOff x="0" y="0"/>
+          <a:chExt cx="0" cy="0"/>
+        </a:xfrm>
+      </p:grpSpPr>
+      <p:sp>
+        <p:nvSpPr>
+          <p:cNvPr id="2" name="Title 1">
+            <a:extLst>
+              <a:ext uri="{FF2B5EF4-FFF2-40B4-BE49-F238E27FC236}">
+                <a16:creationId xmlns:a16="http://schemas.microsoft.com/office/drawing/2014/main" id="{DFC02DC3-F3A4-D4AA-AD4A-3D6845F0339C}"/>
+              </a:ext>
+            </a:extLst>
+          </p:cNvPr>
+          <p:cNvSpPr>
+            <a:spLocks noGrp="1"/>
+          </p:cNvSpPr>
+          <p:nvPr>
+            <p:ph type="title"/>
+          </p:nvPr>
+        </p:nvSpPr>
+        <p:spPr/>
+        <p:txBody>
+          <a:bodyPr/>
+          <a:lstStyle/>
+          <a:p>
+            <a:endParaRPr lang="en-IL"/>
+          </a:p>
+        </p:txBody>
+      </p:sp>
+      <p:sp>
+        <p:nvSpPr>
+          <p:cNvPr id="3" name="Content Placeholder 2">
+            <a:extLst>
+              <a:ext uri="{FF2B5EF4-FFF2-40B4-BE49-F238E27FC236}">
+                <a16:creationId xmlns:a16="http://schemas.microsoft.com/office/drawing/2014/main" id="{C54D9E3D-17AB-35DA-820D-56DA59FE5DF4}"/>
+              </a:ext>
+            </a:extLst>
+          </p:cNvPr>
+          <p:cNvSpPr>
+            <a:spLocks noGrp="1"/>
+          </p:cNvSpPr>
+          <p:nvPr>
+            <p:ph idx="1"/>
+          </p:nvPr>
+        </p:nvSpPr>
+        <p:spPr/>
+        <p:txBody>
+          <a:bodyPr/>
+          <a:lstStyle/>
+          <a:p>
+            <a:endParaRPr lang="en-IL"/>
+          </a:p>
+        </p:txBody>
+      </p:sp>
+    </p:spTree>
+    <p:extLst>
+      <p:ext uri="{BB962C8B-B14F-4D97-AF65-F5344CB8AC3E}">
+        <p14:creationId xmlns:p14="http://schemas.microsoft.com/office/powerpoint/2010/main" val="1068691161"/>
+      </p:ext>
+    </p:extLst>
+  </p:cSld>
+  <p:clrMapOvr>
+    <a:masterClrMapping/>
+  </p:clrMapOvr>
+</p:sld>
+</file>
+
+<file path=ppt/slides/slide22.xml><?xml version="1.0" encoding="utf-8"?>
+<p:sld xmlns:a="http://schemas.openxmlformats.org/drawingml/2006/main" xmlns:r="http://schemas.openxmlformats.org/officeDocument/2006/relationships" xmlns:p="http://schemas.openxmlformats.org/presentationml/2006/main">
+  <p:cSld>
+    <p:spTree>
+      <p:nvGrpSpPr>
+        <p:cNvPr id="1" name=""/>
+        <p:cNvGrpSpPr/>
+        <p:nvPr/>
+      </p:nvGrpSpPr>
+      <p:grpSpPr>
+        <a:xfrm>
+          <a:off x="0" y="0"/>
+          <a:ext cx="0" cy="0"/>
+          <a:chOff x="0" y="0"/>
+          <a:chExt cx="0" cy="0"/>
+        </a:xfrm>
+      </p:grpSpPr>
+      <p:sp>
+        <p:nvSpPr>
+          <p:cNvPr id="2" name="Title 1">
+            <a:extLst>
+              <a:ext uri="{FF2B5EF4-FFF2-40B4-BE49-F238E27FC236}">
+                <a16:creationId xmlns:a16="http://schemas.microsoft.com/office/drawing/2014/main" id="{DFC02DC3-F3A4-D4AA-AD4A-3D6845F0339C}"/>
+              </a:ext>
+            </a:extLst>
+          </p:cNvPr>
+          <p:cNvSpPr>
+            <a:spLocks noGrp="1"/>
+          </p:cNvSpPr>
+          <p:nvPr>
+            <p:ph type="title"/>
+          </p:nvPr>
+        </p:nvSpPr>
+        <p:spPr/>
+        <p:txBody>
+          <a:bodyPr/>
+          <a:lstStyle/>
+          <a:p>
+            <a:endParaRPr lang="en-IL"/>
+          </a:p>
+        </p:txBody>
+      </p:sp>
+      <p:sp>
+        <p:nvSpPr>
+          <p:cNvPr id="3" name="Content Placeholder 2">
+            <a:extLst>
+              <a:ext uri="{FF2B5EF4-FFF2-40B4-BE49-F238E27FC236}">
+                <a16:creationId xmlns:a16="http://schemas.microsoft.com/office/drawing/2014/main" id="{C54D9E3D-17AB-35DA-820D-56DA59FE5DF4}"/>
+              </a:ext>
+            </a:extLst>
+          </p:cNvPr>
+          <p:cNvSpPr>
+            <a:spLocks noGrp="1"/>
+          </p:cNvSpPr>
+          <p:nvPr>
+            <p:ph idx="1"/>
+          </p:nvPr>
+        </p:nvSpPr>
+        <p:spPr/>
+        <p:txBody>
+          <a:bodyPr/>
+          <a:lstStyle/>
+          <a:p>
+            <a:endParaRPr lang="en-IL"/>
+          </a:p>
+        </p:txBody>
+      </p:sp>
+    </p:spTree>
+    <p:extLst>
+      <p:ext uri="{BB962C8B-B14F-4D97-AF65-F5344CB8AC3E}">
+        <p14:creationId xmlns:p14="http://schemas.microsoft.com/office/powerpoint/2010/main" val="551347946"/>
+      </p:ext>
+    </p:extLst>
+  </p:cSld>
+  <p:clrMapOvr>
+    <a:masterClrMapping/>
+  </p:clrMapOvr>
+</p:sld>
+</file>
+
+<file path=ppt/slides/slide23.xml><?xml version="1.0" encoding="utf-8"?>
+<p:sld xmlns:a="http://schemas.openxmlformats.org/drawingml/2006/main" xmlns:r="http://schemas.openxmlformats.org/officeDocument/2006/relationships" xmlns:p="http://schemas.openxmlformats.org/presentationml/2006/main">
+  <p:cSld>
+    <p:spTree>
+      <p:nvGrpSpPr>
+        <p:cNvPr id="1" name=""/>
+        <p:cNvGrpSpPr/>
+        <p:nvPr/>
+      </p:nvGrpSpPr>
+      <p:grpSpPr>
+        <a:xfrm>
+          <a:off x="0" y="0"/>
+          <a:ext cx="0" cy="0"/>
+          <a:chOff x="0" y="0"/>
+          <a:chExt cx="0" cy="0"/>
+        </a:xfrm>
+      </p:grpSpPr>
+      <p:sp>
+        <p:nvSpPr>
+          <p:cNvPr id="2" name="Title 1">
+            <a:extLst>
+              <a:ext uri="{FF2B5EF4-FFF2-40B4-BE49-F238E27FC236}">
+                <a16:creationId xmlns:a16="http://schemas.microsoft.com/office/drawing/2014/main" id="{DFC02DC3-F3A4-D4AA-AD4A-3D6845F0339C}"/>
+              </a:ext>
+            </a:extLst>
+          </p:cNvPr>
+          <p:cNvSpPr>
+            <a:spLocks noGrp="1"/>
+          </p:cNvSpPr>
+          <p:nvPr>
+            <p:ph type="title"/>
+          </p:nvPr>
+        </p:nvSpPr>
+        <p:spPr/>
+        <p:txBody>
+          <a:bodyPr/>
+          <a:lstStyle/>
+          <a:p>
+            <a:endParaRPr lang="en-IL"/>
+          </a:p>
+        </p:txBody>
+      </p:sp>
+      <p:sp>
+        <p:nvSpPr>
+          <p:cNvPr id="3" name="Content Placeholder 2">
+            <a:extLst>
+              <a:ext uri="{FF2B5EF4-FFF2-40B4-BE49-F238E27FC236}">
+                <a16:creationId xmlns:a16="http://schemas.microsoft.com/office/drawing/2014/main" id="{C54D9E3D-17AB-35DA-820D-56DA59FE5DF4}"/>
+              </a:ext>
+            </a:extLst>
+          </p:cNvPr>
+          <p:cNvSpPr>
+            <a:spLocks noGrp="1"/>
+          </p:cNvSpPr>
+          <p:nvPr>
+            <p:ph idx="1"/>
+          </p:nvPr>
+        </p:nvSpPr>
+        <p:spPr/>
+        <p:txBody>
+          <a:bodyPr/>
+          <a:lstStyle/>
+          <a:p>
+            <a:endParaRPr lang="en-IL"/>
+          </a:p>
+        </p:txBody>
+      </p:sp>
+    </p:spTree>
+    <p:extLst>
+      <p:ext uri="{BB962C8B-B14F-4D97-AF65-F5344CB8AC3E}">
+        <p14:creationId xmlns:p14="http://schemas.microsoft.com/office/powerpoint/2010/main" val="2803347006"/>
       </p:ext>
     </p:extLst>
   </p:cSld>
